--- a/paper/中期答辩.pptx
+++ b/paper/中期答辩.pptx
@@ -6,7 +6,7 @@
     <p:sldMasterId id="2147483663" r:id="rId2"/>
   </p:sldMasterIdLst>
   <p:notesMasterIdLst>
-    <p:notesMasterId r:id="rId23"/>
+    <p:notesMasterId r:id="rId24"/>
   </p:notesMasterIdLst>
   <p:sldIdLst>
     <p:sldId id="256" r:id="rId3"/>
@@ -16,19 +16,20 @@
     <p:sldId id="279" r:id="rId7"/>
     <p:sldId id="270" r:id="rId8"/>
     <p:sldId id="259" r:id="rId9"/>
-    <p:sldId id="282" r:id="rId10"/>
-    <p:sldId id="266" r:id="rId11"/>
-    <p:sldId id="283" r:id="rId12"/>
-    <p:sldId id="269" r:id="rId13"/>
-    <p:sldId id="275" r:id="rId14"/>
-    <p:sldId id="260" r:id="rId15"/>
-    <p:sldId id="277" r:id="rId16"/>
-    <p:sldId id="276" r:id="rId17"/>
-    <p:sldId id="281" r:id="rId18"/>
-    <p:sldId id="280" r:id="rId19"/>
-    <p:sldId id="261" r:id="rId20"/>
-    <p:sldId id="273" r:id="rId21"/>
-    <p:sldId id="262" r:id="rId22"/>
+    <p:sldId id="284" r:id="rId10"/>
+    <p:sldId id="282" r:id="rId11"/>
+    <p:sldId id="266" r:id="rId12"/>
+    <p:sldId id="283" r:id="rId13"/>
+    <p:sldId id="269" r:id="rId14"/>
+    <p:sldId id="275" r:id="rId15"/>
+    <p:sldId id="260" r:id="rId16"/>
+    <p:sldId id="277" r:id="rId17"/>
+    <p:sldId id="276" r:id="rId18"/>
+    <p:sldId id="281" r:id="rId19"/>
+    <p:sldId id="280" r:id="rId20"/>
+    <p:sldId id="261" r:id="rId21"/>
+    <p:sldId id="273" r:id="rId22"/>
+    <p:sldId id="262" r:id="rId23"/>
   </p:sldIdLst>
   <p:sldSz cx="12192000" cy="6858000"/>
   <p:notesSz cx="6858000" cy="9144000"/>
@@ -231,7 +232,7 @@
           <a:p>
             <a:fld id="{98B0435F-E558-4051-86BC-60A3F5754544}" type="datetimeFigureOut">
               <a:rPr lang="zh-CN" altLang="en-US" smtClean="0"/>
-              <a:t>2023/4/12</a:t>
+              <a:t>2023/4/14</a:t>
             </a:fld>
             <a:endParaRPr lang="zh-CN" altLang="en-US"/>
           </a:p>
@@ -627,7 +628,7 @@
           <a:p>
             <a:fld id="{C432D5D4-DD55-4DBC-81D4-13ECF5893FB4}" type="datetimeFigureOut">
               <a:rPr lang="zh-CN" altLang="en-US" smtClean="0"/>
-              <a:t>2023/4/12</a:t>
+              <a:t>2023/4/14</a:t>
             </a:fld>
             <a:endParaRPr lang="zh-CN" altLang="en-US"/>
           </a:p>
@@ -744,7 +745,7 @@
           <a:p>
             <a:fld id="{C432D5D4-DD55-4DBC-81D4-13ECF5893FB4}" type="datetimeFigureOut">
               <a:rPr lang="zh-CN" altLang="en-US" smtClean="0"/>
-              <a:t>2023/4/12</a:t>
+              <a:t>2023/4/14</a:t>
             </a:fld>
             <a:endParaRPr lang="zh-CN" altLang="en-US"/>
           </a:p>
@@ -861,7 +862,7 @@
           <a:p>
             <a:fld id="{C432D5D4-DD55-4DBC-81D4-13ECF5893FB4}" type="datetimeFigureOut">
               <a:rPr lang="zh-CN" altLang="en-US" smtClean="0"/>
-              <a:t>2023/4/12</a:t>
+              <a:t>2023/4/14</a:t>
             </a:fld>
             <a:endParaRPr lang="zh-CN" altLang="en-US"/>
           </a:p>
@@ -978,7 +979,7 @@
           <a:p>
             <a:fld id="{C432D5D4-DD55-4DBC-81D4-13ECF5893FB4}" type="datetimeFigureOut">
               <a:rPr lang="zh-CN" altLang="en-US" smtClean="0"/>
-              <a:t>2023/4/12</a:t>
+              <a:t>2023/4/14</a:t>
             </a:fld>
             <a:endParaRPr lang="zh-CN" altLang="en-US"/>
           </a:p>
@@ -1095,7 +1096,7 @@
           <a:p>
             <a:fld id="{C432D5D4-DD55-4DBC-81D4-13ECF5893FB4}" type="datetimeFigureOut">
               <a:rPr lang="zh-CN" altLang="en-US" smtClean="0"/>
-              <a:t>2023/4/12</a:t>
+              <a:t>2023/4/14</a:t>
             </a:fld>
             <a:endParaRPr lang="zh-CN" altLang="en-US"/>
           </a:p>
@@ -1212,7 +1213,7 @@
           <a:p>
             <a:fld id="{C432D5D4-DD55-4DBC-81D4-13ECF5893FB4}" type="datetimeFigureOut">
               <a:rPr lang="zh-CN" altLang="en-US" smtClean="0"/>
-              <a:t>2023/4/12</a:t>
+              <a:t>2023/4/14</a:t>
             </a:fld>
             <a:endParaRPr lang="zh-CN" altLang="en-US"/>
           </a:p>
@@ -1409,7 +1410,7 @@
                 </a:solidFill>
               </a:rPr>
               <a:pPr/>
-              <a:t>2023/4/12</a:t>
+              <a:t>2023/4/14</a:t>
             </a:fld>
             <a:endParaRPr lang="zh-CN" altLang="en-US">
               <a:solidFill>
@@ -1639,7 +1640,7 @@
                 </a:solidFill>
               </a:rPr>
               <a:pPr/>
-              <a:t>2023/4/12</a:t>
+              <a:t>2023/4/14</a:t>
             </a:fld>
             <a:endParaRPr lang="zh-CN" altLang="en-US">
               <a:solidFill>
@@ -1870,7 +1871,7 @@
           <a:p>
             <a:fld id="{C432D5D4-DD55-4DBC-81D4-13ECF5893FB4}" type="datetimeFigureOut">
               <a:rPr lang="zh-CN" altLang="en-US" smtClean="0"/>
-              <a:t>2023/4/12</a:t>
+              <a:t>2023/4/14</a:t>
             </a:fld>
             <a:endParaRPr lang="zh-CN" altLang="en-US"/>
           </a:p>
@@ -2038,7 +2039,7 @@
           <a:p>
             <a:fld id="{C432D5D4-DD55-4DBC-81D4-13ECF5893FB4}" type="datetimeFigureOut">
               <a:rPr lang="zh-CN" altLang="en-US" smtClean="0"/>
-              <a:t>2023/4/12</a:t>
+              <a:t>2023/4/14</a:t>
             </a:fld>
             <a:endParaRPr lang="zh-CN" altLang="en-US"/>
           </a:p>
@@ -2255,7 +2256,7 @@
           <a:p>
             <a:fld id="{C432D5D4-DD55-4DBC-81D4-13ECF5893FB4}" type="datetimeFigureOut">
               <a:rPr lang="zh-CN" altLang="en-US" smtClean="0"/>
-              <a:t>2023/4/12</a:t>
+              <a:t>2023/4/14</a:t>
             </a:fld>
             <a:endParaRPr lang="zh-CN" altLang="en-US"/>
           </a:p>
@@ -2372,7 +2373,7 @@
           <a:p>
             <a:fld id="{C432D5D4-DD55-4DBC-81D4-13ECF5893FB4}" type="datetimeFigureOut">
               <a:rPr lang="zh-CN" altLang="en-US" smtClean="0"/>
-              <a:t>2023/4/12</a:t>
+              <a:t>2023/4/14</a:t>
             </a:fld>
             <a:endParaRPr lang="zh-CN" altLang="en-US"/>
           </a:p>
@@ -2489,7 +2490,7 @@
           <a:p>
             <a:fld id="{C432D5D4-DD55-4DBC-81D4-13ECF5893FB4}" type="datetimeFigureOut">
               <a:rPr lang="zh-CN" altLang="en-US" smtClean="0"/>
-              <a:t>2023/4/12</a:t>
+              <a:t>2023/4/14</a:t>
             </a:fld>
             <a:endParaRPr lang="zh-CN" altLang="en-US"/>
           </a:p>
@@ -2606,7 +2607,7 @@
           <a:p>
             <a:fld id="{C432D5D4-DD55-4DBC-81D4-13ECF5893FB4}" type="datetimeFigureOut">
               <a:rPr lang="zh-CN" altLang="en-US" smtClean="0"/>
-              <a:t>2023/4/12</a:t>
+              <a:t>2023/4/14</a:t>
             </a:fld>
             <a:endParaRPr lang="zh-CN" altLang="en-US"/>
           </a:p>
@@ -2723,7 +2724,7 @@
           <a:p>
             <a:fld id="{C432D5D4-DD55-4DBC-81D4-13ECF5893FB4}" type="datetimeFigureOut">
               <a:rPr lang="zh-CN" altLang="en-US" smtClean="0"/>
-              <a:t>2023/4/12</a:t>
+              <a:t>2023/4/14</a:t>
             </a:fld>
             <a:endParaRPr lang="zh-CN" altLang="en-US"/>
           </a:p>
@@ -2840,7 +2841,7 @@
           <a:p>
             <a:fld id="{C432D5D4-DD55-4DBC-81D4-13ECF5893FB4}" type="datetimeFigureOut">
               <a:rPr lang="zh-CN" altLang="en-US" smtClean="0"/>
-              <a:t>2023/4/12</a:t>
+              <a:t>2023/4/14</a:t>
             </a:fld>
             <a:endParaRPr lang="zh-CN" altLang="en-US"/>
           </a:p>
@@ -3054,7 +3055,7 @@
           <a:p>
             <a:fld id="{C432D5D4-DD55-4DBC-81D4-13ECF5893FB4}" type="datetimeFigureOut">
               <a:rPr lang="zh-CN" altLang="en-US" smtClean="0"/>
-              <a:t>2023/4/12</a:t>
+              <a:t>2023/4/14</a:t>
             </a:fld>
             <a:endParaRPr lang="zh-CN" altLang="en-US"/>
           </a:p>
@@ -4803,6 +4804,816 @@
       </p:sp>
       <p:sp>
         <p:nvSpPr>
+          <p:cNvPr id="2" name="文本框 1">
+            <a:extLst>
+              <a:ext uri="{FF2B5EF4-FFF2-40B4-BE49-F238E27FC236}">
+                <a16:creationId xmlns:a16="http://schemas.microsoft.com/office/drawing/2014/main" id="{DA57F039-7E8C-47E7-B95E-FF1863D738F1}"/>
+              </a:ext>
+            </a:extLst>
+          </p:cNvPr>
+          <p:cNvSpPr txBox="1"/>
+          <p:nvPr/>
+        </p:nvSpPr>
+        <p:spPr>
+          <a:xfrm>
+            <a:off x="1270958" y="1184694"/>
+            <a:ext cx="2691442" cy="4247317"/>
+          </a:xfrm>
+          <a:prstGeom prst="rect">
+            <a:avLst/>
+          </a:prstGeom>
+          <a:noFill/>
+        </p:spPr>
+        <p:txBody>
+          <a:bodyPr wrap="square" rtlCol="0">
+            <a:spAutoFit/>
+          </a:bodyPr>
+          <a:lstStyle/>
+          <a:p>
+            <a:r>
+              <a:rPr lang="zh-CN" altLang="en-US" dirty="0"/>
+              <a:t>数据预处理：</a:t>
+            </a:r>
+            <a:endParaRPr lang="en-US" altLang="zh-CN" dirty="0"/>
+          </a:p>
+          <a:p>
+            <a:pPr marL="342900" indent="-342900">
+              <a:buFont typeface="+mj-lt"/>
+              <a:buAutoNum type="arabicPeriod"/>
+            </a:pPr>
+            <a:r>
+              <a:rPr lang="zh-CN" altLang="en-US" dirty="0"/>
+              <a:t>平滑处理</a:t>
+            </a:r>
+            <a:endParaRPr lang="en-US" altLang="zh-CN" dirty="0"/>
+          </a:p>
+          <a:p>
+            <a:pPr marL="342900" indent="-342900">
+              <a:buFont typeface="+mj-lt"/>
+              <a:buAutoNum type="arabicPeriod"/>
+            </a:pPr>
+            <a:endParaRPr lang="en-US" altLang="zh-CN" dirty="0"/>
+          </a:p>
+          <a:p>
+            <a:pPr marL="342900" indent="-342900">
+              <a:buFont typeface="+mj-lt"/>
+              <a:buAutoNum type="arabicPeriod"/>
+            </a:pPr>
+            <a:endParaRPr lang="en-US" altLang="zh-CN" dirty="0"/>
+          </a:p>
+          <a:p>
+            <a:pPr marL="342900" indent="-342900">
+              <a:buFont typeface="+mj-lt"/>
+              <a:buAutoNum type="arabicPeriod"/>
+            </a:pPr>
+            <a:endParaRPr lang="en-US" altLang="zh-CN" dirty="0"/>
+          </a:p>
+          <a:p>
+            <a:pPr marL="342900" indent="-342900">
+              <a:buFont typeface="+mj-lt"/>
+              <a:buAutoNum type="arabicPeriod"/>
+            </a:pPr>
+            <a:endParaRPr lang="en-US" altLang="zh-CN" dirty="0"/>
+          </a:p>
+          <a:p>
+            <a:pPr marL="342900" indent="-342900">
+              <a:buFont typeface="+mj-lt"/>
+              <a:buAutoNum type="arabicPeriod"/>
+            </a:pPr>
+            <a:endParaRPr lang="en-US" altLang="zh-CN" dirty="0"/>
+          </a:p>
+          <a:p>
+            <a:pPr marL="342900" indent="-342900">
+              <a:buFont typeface="+mj-lt"/>
+              <a:buAutoNum type="arabicPeriod"/>
+            </a:pPr>
+            <a:endParaRPr lang="en-US" altLang="zh-CN" dirty="0"/>
+          </a:p>
+          <a:p>
+            <a:pPr marL="342900" indent="-342900">
+              <a:buFont typeface="+mj-lt"/>
+              <a:buAutoNum type="arabicPeriod"/>
+            </a:pPr>
+            <a:r>
+              <a:rPr lang="zh-CN" altLang="en-US" dirty="0"/>
+              <a:t>计算时序特征</a:t>
+            </a:r>
+            <a:endParaRPr lang="en-US" altLang="zh-CN" dirty="0"/>
+          </a:p>
+          <a:p>
+            <a:pPr marL="342900" indent="-342900">
+              <a:buFont typeface="+mj-lt"/>
+              <a:buAutoNum type="arabicPeriod"/>
+            </a:pPr>
+            <a:endParaRPr lang="en-US" altLang="zh-CN" dirty="0"/>
+          </a:p>
+          <a:p>
+            <a:pPr marL="342900" indent="-342900">
+              <a:buFont typeface="+mj-lt"/>
+              <a:buAutoNum type="arabicPeriod"/>
+            </a:pPr>
+            <a:endParaRPr lang="en-US" altLang="zh-CN" dirty="0"/>
+          </a:p>
+          <a:p>
+            <a:pPr marL="342900" indent="-342900">
+              <a:buFont typeface="+mj-lt"/>
+              <a:buAutoNum type="arabicPeriod"/>
+            </a:pPr>
+            <a:endParaRPr lang="en-US" altLang="zh-CN" dirty="0"/>
+          </a:p>
+          <a:p>
+            <a:pPr marL="342900" indent="-342900">
+              <a:buFont typeface="+mj-lt"/>
+              <a:buAutoNum type="arabicPeriod"/>
+            </a:pPr>
+            <a:endParaRPr lang="en-US" altLang="zh-CN" dirty="0"/>
+          </a:p>
+          <a:p>
+            <a:pPr marL="342900" indent="-342900">
+              <a:buFont typeface="+mj-lt"/>
+              <a:buAutoNum type="arabicPeriod"/>
+            </a:pPr>
+            <a:endParaRPr lang="en-US" altLang="zh-CN" dirty="0"/>
+          </a:p>
+          <a:p>
+            <a:pPr marL="342900" indent="-342900">
+              <a:buFont typeface="+mj-lt"/>
+              <a:buAutoNum type="arabicPeriod"/>
+            </a:pPr>
+            <a:r>
+              <a:rPr lang="zh-CN" altLang="en-US" dirty="0"/>
+              <a:t>采样</a:t>
+            </a:r>
+          </a:p>
+        </p:txBody>
+      </p:sp>
+      <p:pic>
+        <p:nvPicPr>
+          <p:cNvPr id="7" name="图片 6">
+            <a:extLst>
+              <a:ext uri="{FF2B5EF4-FFF2-40B4-BE49-F238E27FC236}">
+                <a16:creationId xmlns:a16="http://schemas.microsoft.com/office/drawing/2014/main" id="{A0515228-BA58-45E8-B25E-119C706927A5}"/>
+              </a:ext>
+            </a:extLst>
+          </p:cNvPr>
+          <p:cNvPicPr>
+            <a:picLocks noChangeAspect="1"/>
+          </p:cNvPicPr>
+          <p:nvPr/>
+        </p:nvPicPr>
+        <p:blipFill>
+          <a:blip r:embed="rId2"/>
+          <a:stretch>
+            <a:fillRect/>
+          </a:stretch>
+        </p:blipFill>
+        <p:spPr>
+          <a:xfrm>
+            <a:off x="3303949" y="1819856"/>
+            <a:ext cx="3214711" cy="814393"/>
+          </a:xfrm>
+          <a:prstGeom prst="rect">
+            <a:avLst/>
+          </a:prstGeom>
+        </p:spPr>
+      </p:pic>
+      <p:sp>
+        <p:nvSpPr>
+          <p:cNvPr id="8" name="文本框 7">
+            <a:extLst>
+              <a:ext uri="{FF2B5EF4-FFF2-40B4-BE49-F238E27FC236}">
+                <a16:creationId xmlns:a16="http://schemas.microsoft.com/office/drawing/2014/main" id="{FD743AE1-B614-40C0-85E6-EE6DE7FFA655}"/>
+              </a:ext>
+            </a:extLst>
+          </p:cNvPr>
+          <p:cNvSpPr txBox="1"/>
+          <p:nvPr/>
+        </p:nvSpPr>
+        <p:spPr>
+          <a:xfrm>
+            <a:off x="1978325" y="2812211"/>
+            <a:ext cx="7832784" cy="369332"/>
+          </a:xfrm>
+          <a:prstGeom prst="rect">
+            <a:avLst/>
+          </a:prstGeom>
+          <a:noFill/>
+        </p:spPr>
+        <p:txBody>
+          <a:bodyPr wrap="square" rtlCol="0">
+            <a:spAutoFit/>
+          </a:bodyPr>
+          <a:lstStyle/>
+          <a:p>
+            <a:r>
+              <a:rPr lang="en-US" altLang="zh-CN" dirty="0"/>
+              <a:t>Rt</a:t>
+            </a:r>
+            <a:r>
+              <a:rPr lang="zh-CN" altLang="en-US" dirty="0"/>
+              <a:t>为原始</a:t>
+            </a:r>
+            <a:r>
+              <a:rPr lang="en-US" altLang="zh-CN" dirty="0"/>
+              <a:t>RTT</a:t>
+            </a:r>
+            <a:r>
+              <a:rPr lang="zh-CN" altLang="en-US" dirty="0"/>
+              <a:t>值，随时间变化，</a:t>
+            </a:r>
+            <a:r>
+              <a:rPr lang="en-US" altLang="zh-CN" dirty="0"/>
+              <a:t>St</a:t>
+            </a:r>
+            <a:r>
+              <a:rPr lang="zh-CN" altLang="en-US" dirty="0"/>
+              <a:t>为</a:t>
+            </a:r>
+            <a:r>
+              <a:rPr lang="en-US" altLang="zh-CN" dirty="0"/>
+              <a:t>RTT</a:t>
+            </a:r>
+            <a:r>
+              <a:rPr lang="zh-CN" altLang="en-US" dirty="0"/>
+              <a:t>平滑处理后的大小，</a:t>
+            </a:r>
+            <a:r>
+              <a:rPr lang="el-GR" altLang="zh-CN" dirty="0"/>
+              <a:t>σ</a:t>
+            </a:r>
+            <a:r>
+              <a:rPr lang="zh-CN" altLang="en-US" dirty="0"/>
+              <a:t>一般取</a:t>
+            </a:r>
+            <a:r>
+              <a:rPr lang="en-US" altLang="zh-CN" dirty="0"/>
+              <a:t>0.2</a:t>
+            </a:r>
+            <a:endParaRPr lang="zh-CN" altLang="en-US" dirty="0"/>
+          </a:p>
+        </p:txBody>
+      </p:sp>
+      <mc:AlternateContent xmlns:mc="http://schemas.openxmlformats.org/markup-compatibility/2006" xmlns:a14="http://schemas.microsoft.com/office/drawing/2010/main">
+        <mc:Choice Requires="a14">
+          <p:sp>
+            <p:nvSpPr>
+              <p:cNvPr id="9" name="文本框 8">
+                <a:extLst>
+                  <a:ext uri="{FF2B5EF4-FFF2-40B4-BE49-F238E27FC236}">
+                    <a16:creationId xmlns:a16="http://schemas.microsoft.com/office/drawing/2014/main" id="{84300223-F3B1-40F6-AE71-F9FE63B924C8}"/>
+                  </a:ext>
+                </a:extLst>
+              </p:cNvPr>
+              <p:cNvSpPr txBox="1"/>
+              <p:nvPr/>
+            </p:nvSpPr>
+            <p:spPr>
+              <a:xfrm>
+                <a:off x="2628181" y="4244513"/>
+                <a:ext cx="3467819" cy="369332"/>
+              </a:xfrm>
+              <a:prstGeom prst="rect">
+                <a:avLst/>
+              </a:prstGeom>
+              <a:noFill/>
+            </p:spPr>
+            <p:txBody>
+              <a:bodyPr wrap="square" rtlCol="0">
+                <a:spAutoFit/>
+              </a:bodyPr>
+              <a:lstStyle/>
+              <a:p>
+                <a:pPr/>
+                <a14:m>
+                  <m:oMathPara xmlns:m="http://schemas.openxmlformats.org/officeDocument/2006/math">
+                    <m:oMathParaPr>
+                      <m:jc m:val="centerGroup"/>
+                    </m:oMathParaPr>
+                    <m:oMath xmlns:m="http://schemas.openxmlformats.org/officeDocument/2006/math">
+                      <m:sSub>
+                        <m:sSubPr>
+                          <m:ctrlPr>
+                            <a:rPr lang="en-US" altLang="zh-CN" i="1" smtClean="0">
+                              <a:latin typeface="Cambria Math" panose="02040503050406030204" pitchFamily="18" charset="0"/>
+                            </a:rPr>
+                          </m:ctrlPr>
+                        </m:sSubPr>
+                        <m:e>
+                          <m:r>
+                            <a:rPr lang="en-US" altLang="zh-CN" b="0" i="1" smtClean="0">
+                              <a:latin typeface="Cambria Math" panose="02040503050406030204" pitchFamily="18" charset="0"/>
+                            </a:rPr>
+                            <m:t>𝑘</m:t>
+                          </m:r>
+                        </m:e>
+                        <m:sub>
+                          <m:r>
+                            <a:rPr lang="en-US" altLang="zh-CN" b="0" i="1" smtClean="0">
+                              <a:latin typeface="Cambria Math" panose="02040503050406030204" pitchFamily="18" charset="0"/>
+                            </a:rPr>
+                            <m:t>𝑡</m:t>
+                          </m:r>
+                        </m:sub>
+                      </m:sSub>
+                      <m:r>
+                        <a:rPr lang="en-US" altLang="zh-CN" b="0" i="1" smtClean="0">
+                          <a:latin typeface="Cambria Math" panose="02040503050406030204" pitchFamily="18" charset="0"/>
+                        </a:rPr>
+                        <m:t>= </m:t>
+                      </m:r>
+                      <m:sSub>
+                        <m:sSubPr>
+                          <m:ctrlPr>
+                            <a:rPr lang="en-US" altLang="zh-CN" b="0" i="1" smtClean="0">
+                              <a:latin typeface="Cambria Math" panose="02040503050406030204" pitchFamily="18" charset="0"/>
+                            </a:rPr>
+                          </m:ctrlPr>
+                        </m:sSubPr>
+                        <m:e>
+                          <m:r>
+                            <a:rPr lang="en-US" altLang="zh-CN" b="0" i="1" smtClean="0">
+                              <a:latin typeface="Cambria Math" panose="02040503050406030204" pitchFamily="18" charset="0"/>
+                            </a:rPr>
+                            <m:t>(</m:t>
+                          </m:r>
+                          <m:r>
+                            <a:rPr lang="en-US" altLang="zh-CN" b="0" i="1" smtClean="0">
+                              <a:latin typeface="Cambria Math" panose="02040503050406030204" pitchFamily="18" charset="0"/>
+                            </a:rPr>
+                            <m:t>𝑅</m:t>
+                          </m:r>
+                        </m:e>
+                        <m:sub>
+                          <m:r>
+                            <a:rPr lang="en-US" altLang="zh-CN" b="0" i="1" smtClean="0">
+                              <a:latin typeface="Cambria Math" panose="02040503050406030204" pitchFamily="18" charset="0"/>
+                            </a:rPr>
+                            <m:t>𝑡</m:t>
+                          </m:r>
+                        </m:sub>
+                      </m:sSub>
+                      <m:r>
+                        <a:rPr lang="en-US" altLang="zh-CN" b="0" i="1" smtClean="0">
+                          <a:latin typeface="Cambria Math" panose="02040503050406030204" pitchFamily="18" charset="0"/>
+                        </a:rPr>
+                        <m:t>−</m:t>
+                      </m:r>
+                      <m:sSub>
+                        <m:sSubPr>
+                          <m:ctrlPr>
+                            <a:rPr lang="en-US" altLang="zh-CN" b="0" i="1" smtClean="0">
+                              <a:latin typeface="Cambria Math" panose="02040503050406030204" pitchFamily="18" charset="0"/>
+                            </a:rPr>
+                          </m:ctrlPr>
+                        </m:sSubPr>
+                        <m:e>
+                          <m:r>
+                            <a:rPr lang="en-US" altLang="zh-CN" b="0" i="1" smtClean="0">
+                              <a:latin typeface="Cambria Math" panose="02040503050406030204" pitchFamily="18" charset="0"/>
+                            </a:rPr>
+                            <m:t>𝑆</m:t>
+                          </m:r>
+                        </m:e>
+                        <m:sub>
+                          <m:r>
+                            <a:rPr lang="en-US" altLang="zh-CN" b="0" i="1" smtClean="0">
+                              <a:latin typeface="Cambria Math" panose="02040503050406030204" pitchFamily="18" charset="0"/>
+                            </a:rPr>
+                            <m:t>𝑡</m:t>
+                          </m:r>
+                        </m:sub>
+                      </m:sSub>
+                      <m:r>
+                        <a:rPr lang="en-US" altLang="zh-CN" b="0" i="1" smtClean="0">
+                          <a:latin typeface="Cambria Math" panose="02040503050406030204" pitchFamily="18" charset="0"/>
+                        </a:rPr>
+                        <m:t>)/</m:t>
+                      </m:r>
+                      <m:sSub>
+                        <m:sSubPr>
+                          <m:ctrlPr>
+                            <a:rPr lang="en-US" altLang="zh-CN" b="0" i="1" smtClean="0">
+                              <a:latin typeface="Cambria Math" panose="02040503050406030204" pitchFamily="18" charset="0"/>
+                            </a:rPr>
+                          </m:ctrlPr>
+                        </m:sSubPr>
+                        <m:e>
+                          <m:r>
+                            <a:rPr lang="en-US" altLang="zh-CN" b="0" i="1" smtClean="0">
+                              <a:latin typeface="Cambria Math" panose="02040503050406030204" pitchFamily="18" charset="0"/>
+                            </a:rPr>
+                            <m:t>𝑆</m:t>
+                          </m:r>
+                        </m:e>
+                        <m:sub>
+                          <m:r>
+                            <a:rPr lang="en-US" altLang="zh-CN" b="0" i="1" smtClean="0">
+                              <a:latin typeface="Cambria Math" panose="02040503050406030204" pitchFamily="18" charset="0"/>
+                            </a:rPr>
+                            <m:t>𝑡</m:t>
+                          </m:r>
+                        </m:sub>
+                      </m:sSub>
+                    </m:oMath>
+                  </m:oMathPara>
+                </a14:m>
+                <a:endParaRPr lang="zh-CN" altLang="en-US" dirty="0"/>
+              </a:p>
+            </p:txBody>
+          </p:sp>
+        </mc:Choice>
+        <mc:Fallback xmlns="">
+          <p:sp>
+            <p:nvSpPr>
+              <p:cNvPr id="9" name="文本框 8">
+                <a:extLst>
+                  <a:ext uri="{FF2B5EF4-FFF2-40B4-BE49-F238E27FC236}">
+                    <a16:creationId xmlns:a16="http://schemas.microsoft.com/office/drawing/2014/main" id="{84300223-F3B1-40F6-AE71-F9FE63B924C8}"/>
+                  </a:ext>
+                </a:extLst>
+              </p:cNvPr>
+              <p:cNvSpPr txBox="1">
+                <a:spLocks noRot="1" noChangeAspect="1" noMove="1" noResize="1" noEditPoints="1" noAdjustHandles="1" noChangeArrowheads="1" noChangeShapeType="1" noTextEdit="1"/>
+              </p:cNvSpPr>
+              <p:nvPr/>
+            </p:nvSpPr>
+            <p:spPr>
+              <a:xfrm>
+                <a:off x="2628181" y="4244513"/>
+                <a:ext cx="3467819" cy="369332"/>
+              </a:xfrm>
+              <a:prstGeom prst="rect">
+                <a:avLst/>
+              </a:prstGeom>
+              <a:blipFill>
+                <a:blip r:embed="rId3"/>
+                <a:stretch>
+                  <a:fillRect b="-14754"/>
+                </a:stretch>
+              </a:blipFill>
+            </p:spPr>
+            <p:txBody>
+              <a:bodyPr/>
+              <a:lstStyle/>
+              <a:p>
+                <a:r>
+                  <a:rPr lang="zh-CN" altLang="en-US">
+                    <a:noFill/>
+                  </a:rPr>
+                  <a:t> </a:t>
+                </a:r>
+              </a:p>
+            </p:txBody>
+          </p:sp>
+        </mc:Fallback>
+      </mc:AlternateContent>
+      <p:sp>
+        <p:nvSpPr>
+          <p:cNvPr id="10" name="文本框 9">
+            <a:extLst>
+              <a:ext uri="{FF2B5EF4-FFF2-40B4-BE49-F238E27FC236}">
+                <a16:creationId xmlns:a16="http://schemas.microsoft.com/office/drawing/2014/main" id="{8408FB42-C91A-4BAD-98D4-D7286E57B1EB}"/>
+              </a:ext>
+            </a:extLst>
+          </p:cNvPr>
+          <p:cNvSpPr txBox="1"/>
+          <p:nvPr/>
+        </p:nvSpPr>
+        <p:spPr>
+          <a:xfrm>
+            <a:off x="2035834" y="5432011"/>
+            <a:ext cx="7970808" cy="1200329"/>
+          </a:xfrm>
+          <a:prstGeom prst="rect">
+            <a:avLst/>
+          </a:prstGeom>
+          <a:noFill/>
+        </p:spPr>
+        <p:txBody>
+          <a:bodyPr wrap="square" rtlCol="0">
+            <a:spAutoFit/>
+          </a:bodyPr>
+          <a:lstStyle/>
+          <a:p>
+            <a:r>
+              <a:rPr lang="zh-CN" altLang="en-US" dirty="0"/>
+              <a:t>由于数据中心网络</a:t>
+            </a:r>
+            <a:r>
+              <a:rPr lang="en-US" altLang="zh-CN" dirty="0"/>
+              <a:t>DCN</a:t>
+            </a:r>
+            <a:r>
+              <a:rPr lang="zh-CN" altLang="en-US" dirty="0"/>
+              <a:t>中</a:t>
+            </a:r>
+            <a:r>
+              <a:rPr lang="en-US" altLang="zh-CN" dirty="0"/>
+              <a:t>RTT</a:t>
+            </a:r>
+            <a:r>
+              <a:rPr lang="zh-CN" altLang="en-US" dirty="0"/>
+              <a:t>大部分时间处于一个稳定状态，经过平滑处理后，</a:t>
+            </a:r>
+            <a:r>
+              <a:rPr lang="en-US" altLang="zh-CN" dirty="0"/>
+              <a:t>90%</a:t>
+            </a:r>
+            <a:r>
+              <a:rPr lang="zh-CN" altLang="en-US" dirty="0"/>
+              <a:t>时序特征值非常小，其绝对值处于</a:t>
+            </a:r>
+            <a:r>
+              <a:rPr lang="en-US" altLang="zh-CN" dirty="0"/>
+              <a:t>[0</a:t>
+            </a:r>
+            <a:r>
+              <a:rPr lang="zh-CN" altLang="en-US" dirty="0"/>
+              <a:t>，</a:t>
+            </a:r>
+            <a:r>
+              <a:rPr lang="en-US" altLang="zh-CN" dirty="0"/>
+              <a:t>0.02</a:t>
+            </a:r>
+            <a:r>
+              <a:rPr lang="zh-CN" altLang="en-US" dirty="0"/>
+              <a:t>）之间，为防止后续数据集训练后，神经网络预测出现过拟合的情况，对特征值进行分段采样，划分为</a:t>
+            </a:r>
+            <a:r>
+              <a:rPr lang="en-US" altLang="zh-CN" dirty="0"/>
+              <a:t>[0,0.02);[0.02,0.08);[0.08,0.15);[0.15,inf)</a:t>
+            </a:r>
+            <a:r>
+              <a:rPr lang="zh-CN" altLang="en-US" dirty="0"/>
+              <a:t>四段。</a:t>
+            </a:r>
+          </a:p>
+        </p:txBody>
+      </p:sp>
+    </p:spTree>
+    <p:extLst>
+      <p:ext uri="{BB962C8B-B14F-4D97-AF65-F5344CB8AC3E}">
+        <p14:creationId xmlns:p14="http://schemas.microsoft.com/office/powerpoint/2010/main" val="4004167502"/>
+      </p:ext>
+    </p:extLst>
+  </p:cSld>
+  <p:clrMapOvr>
+    <a:masterClrMapping/>
+  </p:clrMapOvr>
+</p:sld>
+</file>
+
+<file path=ppt/slides/slide11.xml><?xml version="1.0" encoding="utf-8"?>
+<p:sld xmlns:a="http://schemas.openxmlformats.org/drawingml/2006/main" xmlns:r="http://schemas.openxmlformats.org/officeDocument/2006/relationships" xmlns:p="http://schemas.openxmlformats.org/presentationml/2006/main">
+  <p:cSld>
+    <p:spTree>
+      <p:nvGrpSpPr>
+        <p:cNvPr id="1" name=""/>
+        <p:cNvGrpSpPr/>
+        <p:nvPr/>
+      </p:nvGrpSpPr>
+      <p:grpSpPr>
+        <a:xfrm>
+          <a:off x="0" y="0"/>
+          <a:ext cx="0" cy="0"/>
+          <a:chOff x="0" y="0"/>
+          <a:chExt cx="0" cy="0"/>
+        </a:xfrm>
+      </p:grpSpPr>
+      <p:sp>
+        <p:nvSpPr>
+          <p:cNvPr id="4" name="椭圆 3"/>
+          <p:cNvSpPr/>
+          <p:nvPr/>
+        </p:nvSpPr>
+        <p:spPr>
+          <a:xfrm>
+            <a:off x="270022" y="151025"/>
+            <a:ext cx="751945" cy="751945"/>
+          </a:xfrm>
+          <a:prstGeom prst="ellipse">
+            <a:avLst/>
+          </a:prstGeom>
+          <a:solidFill>
+            <a:schemeClr val="tx2">
+              <a:lumMod val="75000"/>
+            </a:schemeClr>
+          </a:solidFill>
+          <a:ln>
+            <a:noFill/>
+          </a:ln>
+        </p:spPr>
+        <p:style>
+          <a:lnRef idx="2">
+            <a:schemeClr val="accent1">
+              <a:shade val="50000"/>
+            </a:schemeClr>
+          </a:lnRef>
+          <a:fillRef idx="1">
+            <a:schemeClr val="accent1"/>
+          </a:fillRef>
+          <a:effectRef idx="0">
+            <a:schemeClr val="accent1"/>
+          </a:effectRef>
+          <a:fontRef idx="minor">
+            <a:schemeClr val="lt1"/>
+          </a:fontRef>
+        </p:style>
+        <p:txBody>
+          <a:bodyPr rtlCol="0" anchor="ctr"/>
+          <a:lstStyle/>
+          <a:p>
+            <a:pPr algn="ctr"/>
+            <a:endParaRPr lang="zh-CN" altLang="en-US">
+              <a:solidFill>
+                <a:schemeClr val="tx2">
+                  <a:lumMod val="75000"/>
+                </a:schemeClr>
+              </a:solidFill>
+              <a:cs typeface="+mn-ea"/>
+              <a:sym typeface="+mn-lt"/>
+            </a:endParaRPr>
+          </a:p>
+        </p:txBody>
+      </p:sp>
+      <p:sp>
+        <p:nvSpPr>
+          <p:cNvPr id="5" name="文本框 4"/>
+          <p:cNvSpPr txBox="1"/>
+          <p:nvPr/>
+        </p:nvSpPr>
+        <p:spPr>
+          <a:xfrm>
+            <a:off x="237869" y="173054"/>
+            <a:ext cx="816250" cy="707886"/>
+          </a:xfrm>
+          <a:prstGeom prst="rect">
+            <a:avLst/>
+          </a:prstGeom>
+          <a:noFill/>
+        </p:spPr>
+        <p:txBody>
+          <a:bodyPr wrap="none" rtlCol="0">
+            <a:spAutoFit/>
+          </a:bodyPr>
+          <a:lstStyle/>
+          <a:p>
+            <a:pPr algn="ctr"/>
+            <a:r>
+              <a:rPr lang="en-US" altLang="zh-CN" sz="4000" b="1" dirty="0">
+                <a:solidFill>
+                  <a:schemeClr val="bg1"/>
+                </a:solidFill>
+                <a:cs typeface="+mn-ea"/>
+                <a:sym typeface="+mn-lt"/>
+              </a:rPr>
+              <a:t>02</a:t>
+            </a:r>
+            <a:endParaRPr lang="zh-CN" altLang="en-US" sz="4000" b="1" dirty="0">
+              <a:solidFill>
+                <a:schemeClr val="bg1"/>
+              </a:solidFill>
+              <a:cs typeface="+mn-ea"/>
+              <a:sym typeface="+mn-lt"/>
+            </a:endParaRPr>
+          </a:p>
+        </p:txBody>
+      </p:sp>
+      <p:sp>
+        <p:nvSpPr>
+          <p:cNvPr id="6" name="文本框 5"/>
+          <p:cNvSpPr txBox="1"/>
+          <p:nvPr/>
+        </p:nvSpPr>
+        <p:spPr>
+          <a:xfrm>
+            <a:off x="1145343" y="326942"/>
+            <a:ext cx="2260797" cy="400110"/>
+          </a:xfrm>
+          <a:prstGeom prst="rect">
+            <a:avLst/>
+          </a:prstGeom>
+          <a:noFill/>
+        </p:spPr>
+        <p:txBody>
+          <a:bodyPr wrap="square" rtlCol="0">
+            <a:spAutoFit/>
+          </a:bodyPr>
+          <a:lstStyle>
+            <a:defPPr>
+              <a:defRPr lang="en-US"/>
+            </a:defPPr>
+            <a:lvl1pPr marL="0" algn="l" defTabSz="914400" rtl="0" eaLnBrk="1" latinLnBrk="0" hangingPunct="1">
+              <a:defRPr sz="1800" kern="1200">
+                <a:solidFill>
+                  <a:schemeClr val="tx1"/>
+                </a:solidFill>
+                <a:latin typeface="+mn-lt"/>
+                <a:ea typeface="+mn-ea"/>
+                <a:cs typeface="+mn-cs"/>
+              </a:defRPr>
+            </a:lvl1pPr>
+            <a:lvl2pPr marL="457200" algn="l" defTabSz="914400" rtl="0" eaLnBrk="1" latinLnBrk="0" hangingPunct="1">
+              <a:defRPr sz="1800" kern="1200">
+                <a:solidFill>
+                  <a:schemeClr val="tx1"/>
+                </a:solidFill>
+                <a:latin typeface="+mn-lt"/>
+                <a:ea typeface="+mn-ea"/>
+                <a:cs typeface="+mn-cs"/>
+              </a:defRPr>
+            </a:lvl2pPr>
+            <a:lvl3pPr marL="914400" algn="l" defTabSz="914400" rtl="0" eaLnBrk="1" latinLnBrk="0" hangingPunct="1">
+              <a:defRPr sz="1800" kern="1200">
+                <a:solidFill>
+                  <a:schemeClr val="tx1"/>
+                </a:solidFill>
+                <a:latin typeface="+mn-lt"/>
+                <a:ea typeface="+mn-ea"/>
+                <a:cs typeface="+mn-cs"/>
+              </a:defRPr>
+            </a:lvl3pPr>
+            <a:lvl4pPr marL="1371600" algn="l" defTabSz="914400" rtl="0" eaLnBrk="1" latinLnBrk="0" hangingPunct="1">
+              <a:defRPr sz="1800" kern="1200">
+                <a:solidFill>
+                  <a:schemeClr val="tx1"/>
+                </a:solidFill>
+                <a:latin typeface="+mn-lt"/>
+                <a:ea typeface="+mn-ea"/>
+                <a:cs typeface="+mn-cs"/>
+              </a:defRPr>
+            </a:lvl4pPr>
+            <a:lvl5pPr marL="1828800" algn="l" defTabSz="914400" rtl="0" eaLnBrk="1" latinLnBrk="0" hangingPunct="1">
+              <a:defRPr sz="1800" kern="1200">
+                <a:solidFill>
+                  <a:schemeClr val="tx1"/>
+                </a:solidFill>
+                <a:latin typeface="+mn-lt"/>
+                <a:ea typeface="+mn-ea"/>
+                <a:cs typeface="+mn-cs"/>
+              </a:defRPr>
+            </a:lvl5pPr>
+            <a:lvl6pPr marL="2286000" algn="l" defTabSz="914400" rtl="0" eaLnBrk="1" latinLnBrk="0" hangingPunct="1">
+              <a:defRPr sz="1800" kern="1200">
+                <a:solidFill>
+                  <a:schemeClr val="tx1"/>
+                </a:solidFill>
+                <a:latin typeface="+mn-lt"/>
+                <a:ea typeface="+mn-ea"/>
+                <a:cs typeface="+mn-cs"/>
+              </a:defRPr>
+            </a:lvl6pPr>
+            <a:lvl7pPr marL="2743200" algn="l" defTabSz="914400" rtl="0" eaLnBrk="1" latinLnBrk="0" hangingPunct="1">
+              <a:defRPr sz="1800" kern="1200">
+                <a:solidFill>
+                  <a:schemeClr val="tx1"/>
+                </a:solidFill>
+                <a:latin typeface="+mn-lt"/>
+                <a:ea typeface="+mn-ea"/>
+                <a:cs typeface="+mn-cs"/>
+              </a:defRPr>
+            </a:lvl7pPr>
+            <a:lvl8pPr marL="3200400" algn="l" defTabSz="914400" rtl="0" eaLnBrk="1" latinLnBrk="0" hangingPunct="1">
+              <a:defRPr sz="1800" kern="1200">
+                <a:solidFill>
+                  <a:schemeClr val="tx1"/>
+                </a:solidFill>
+                <a:latin typeface="+mn-lt"/>
+                <a:ea typeface="+mn-ea"/>
+                <a:cs typeface="+mn-cs"/>
+              </a:defRPr>
+            </a:lvl8pPr>
+            <a:lvl9pPr marL="3657600" algn="l" defTabSz="914400" rtl="0" eaLnBrk="1" latinLnBrk="0" hangingPunct="1">
+              <a:defRPr sz="1800" kern="1200">
+                <a:solidFill>
+                  <a:schemeClr val="tx1"/>
+                </a:solidFill>
+                <a:latin typeface="+mn-lt"/>
+                <a:ea typeface="+mn-ea"/>
+                <a:cs typeface="+mn-cs"/>
+              </a:defRPr>
+            </a:lvl9pPr>
+          </a:lstStyle>
+          <a:p>
+            <a:pPr algn="dist"/>
+            <a:r>
+              <a:rPr lang="zh-CN" altLang="en-US" sz="2000" dirty="0">
+                <a:solidFill>
+                  <a:schemeClr val="tx1">
+                    <a:lumMod val="75000"/>
+                    <a:lumOff val="25000"/>
+                  </a:schemeClr>
+                </a:solidFill>
+                <a:cs typeface="+mn-ea"/>
+                <a:sym typeface="+mn-lt"/>
+              </a:rPr>
+              <a:t>算法设计</a:t>
+            </a:r>
+          </a:p>
+        </p:txBody>
+      </p:sp>
+      <p:sp>
+        <p:nvSpPr>
           <p:cNvPr id="3" name="文本框 2">
             <a:extLst>
               <a:ext uri="{FF2B5EF4-FFF2-40B4-BE49-F238E27FC236}">
@@ -5237,7 +6048,7 @@
 </p:sld>
 </file>
 
-<file path=ppt/slides/slide11.xml><?xml version="1.0" encoding="utf-8"?>
+<file path=ppt/slides/slide12.xml><?xml version="1.0" encoding="utf-8"?>
 <p:sld xmlns:a="http://schemas.openxmlformats.org/drawingml/2006/main" xmlns:r="http://schemas.openxmlformats.org/officeDocument/2006/relationships" xmlns:p="http://schemas.openxmlformats.org/presentationml/2006/main">
   <p:cSld>
     <p:spTree>
@@ -5652,7 +6463,7 @@
             </a:r>
             <a:r>
               <a:rPr lang="en-US" altLang="zh-CN" dirty="0"/>
-              <a:t>32</a:t>
+              <a:t>16</a:t>
             </a:r>
           </a:p>
           <a:p>
@@ -6032,7 +6843,7 @@
 </p:sld>
 </file>
 
-<file path=ppt/slides/slide12.xml><?xml version="1.0" encoding="utf-8"?>
+<file path=ppt/slides/slide13.xml><?xml version="1.0" encoding="utf-8"?>
 <p:sld xmlns:a="http://schemas.openxmlformats.org/drawingml/2006/main" xmlns:r="http://schemas.openxmlformats.org/officeDocument/2006/relationships" xmlns:p="http://schemas.openxmlformats.org/presentationml/2006/main">
   <p:cSld>
     <p:spTree>
@@ -7843,7 +8654,7 @@
 </p:sld>
 </file>
 
-<file path=ppt/slides/slide13.xml><?xml version="1.0" encoding="utf-8"?>
+<file path=ppt/slides/slide14.xml><?xml version="1.0" encoding="utf-8"?>
 <p:sld xmlns:a="http://schemas.openxmlformats.org/drawingml/2006/main" xmlns:r="http://schemas.openxmlformats.org/officeDocument/2006/relationships" xmlns:p="http://schemas.openxmlformats.org/presentationml/2006/main">
   <p:cSld>
     <p:spTree>
@@ -8139,7 +8950,7 @@
 </p:sld>
 </file>
 
-<file path=ppt/slides/slide14.xml><?xml version="1.0" encoding="utf-8"?>
+<file path=ppt/slides/slide15.xml><?xml version="1.0" encoding="utf-8"?>
 <p:sld xmlns:a="http://schemas.openxmlformats.org/drawingml/2006/main" xmlns:r="http://schemas.openxmlformats.org/officeDocument/2006/relationships" xmlns:p="http://schemas.openxmlformats.org/presentationml/2006/main">
   <p:cSld>
     <p:spTree>
@@ -8753,7 +9564,7 @@
         <p:spPr>
           <a:xfrm>
             <a:off x="6024114" y="3616624"/>
-            <a:ext cx="1765539" cy="815196"/>
+            <a:ext cx="1802920" cy="815196"/>
           </a:xfrm>
           <a:prstGeom prst="roundRect">
             <a:avLst/>
@@ -8974,8 +9785,8 @@
         </p:nvCxnSpPr>
         <p:spPr>
           <a:xfrm>
-            <a:off x="7789653" y="4024222"/>
-            <a:ext cx="1360099" cy="0"/>
+            <a:off x="7827034" y="4024222"/>
+            <a:ext cx="1322718" cy="0"/>
           </a:xfrm>
           <a:prstGeom prst="straightConnector1">
             <a:avLst/>
@@ -9012,7 +9823,7 @@
 </p:sld>
 </file>
 
-<file path=ppt/slides/slide15.xml><?xml version="1.0" encoding="utf-8"?>
+<file path=ppt/slides/slide16.xml><?xml version="1.0" encoding="utf-8"?>
 <p:sld xmlns:a="http://schemas.openxmlformats.org/drawingml/2006/main" xmlns:r="http://schemas.openxmlformats.org/officeDocument/2006/relationships" xmlns:p="http://schemas.openxmlformats.org/presentationml/2006/main">
   <p:cSld>
     <p:spTree>
@@ -9931,8 +10742,8 @@
           </p:sp>
         </mc:Fallback>
       </mc:AlternateContent>
-      <mc:AlternateContent xmlns:mc="http://schemas.openxmlformats.org/markup-compatibility/2006" xmlns:a14="http://schemas.microsoft.com/office/drawing/2010/main">
-        <mc:Choice Requires="a14">
+      <mc:AlternateContent xmlns:mc="http://schemas.openxmlformats.org/markup-compatibility/2006">
+        <mc:Choice xmlns:a14="http://schemas.microsoft.com/office/drawing/2010/main" Requires="a14">
           <p:sp>
             <p:nvSpPr>
               <p:cNvPr id="13" name="文本框 12">
@@ -9984,19 +10795,26 @@
                   <a:t> = </a:t>
                 </a:r>
                 <a:r>
+                  <a:rPr lang="en-US" altLang="zh-CN" kern="100" dirty="0">
+                    <a:latin typeface="Times New Roman" panose="02020603050405020304" pitchFamily="18" charset="0"/>
+                    <a:ea typeface="楷体" panose="02010609060101010101" pitchFamily="49" charset="-122"/>
+                  </a:rPr>
+                  <a:t>7.2</a:t>
+                </a:r>
+                <a:r>
                   <a:rPr lang="en-US" altLang="zh-CN" sz="1800" kern="100" dirty="0">
                     <a:effectLst/>
                     <a:latin typeface="Times New Roman" panose="02020603050405020304" pitchFamily="18" charset="0"/>
                     <a:ea typeface="楷体" panose="02010609060101010101" pitchFamily="49" charset="-122"/>
                   </a:rPr>
-                  <a:t>4.61%</a:t>
+                  <a:t>%</a:t>
                 </a:r>
                 <a:endParaRPr lang="zh-CN" altLang="en-US" dirty="0"/>
               </a:p>
             </p:txBody>
           </p:sp>
         </mc:Choice>
-        <mc:Fallback xmlns="">
+        <mc:Fallback>
           <p:sp>
             <p:nvSpPr>
               <p:cNvPr id="13" name="文本框 12">
@@ -10041,8 +10859,8 @@
           </p:sp>
         </mc:Fallback>
       </mc:AlternateContent>
-      <mc:AlternateContent xmlns:mc="http://schemas.openxmlformats.org/markup-compatibility/2006" xmlns:a14="http://schemas.microsoft.com/office/drawing/2010/main">
-        <mc:Choice Requires="a14">
+      <mc:AlternateContent xmlns:mc="http://schemas.openxmlformats.org/markup-compatibility/2006">
+        <mc:Choice xmlns:a14="http://schemas.microsoft.com/office/drawing/2010/main" Requires="a14">
           <p:sp>
             <p:nvSpPr>
               <p:cNvPr id="14" name="文本框 13">
@@ -10098,7 +10916,7 @@
                     <a:latin typeface="Times New Roman" panose="02020603050405020304" pitchFamily="18" charset="0"/>
                     <a:ea typeface="楷体" panose="02010609060101010101" pitchFamily="49" charset="-122"/>
                   </a:rPr>
-                  <a:t>= 9.11%</a:t>
+                  <a:t>= 7.4%</a:t>
                 </a:r>
                 <a:endParaRPr lang="zh-CN" altLang="en-US" kern="100" dirty="0">
                   <a:latin typeface="Times New Roman" panose="02020603050405020304" pitchFamily="18" charset="0"/>
@@ -10108,7 +10926,7 @@
             </p:txBody>
           </p:sp>
         </mc:Choice>
-        <mc:Fallback xmlns="">
+        <mc:Fallback>
           <p:sp>
             <p:nvSpPr>
               <p:cNvPr id="14" name="文本框 13">
@@ -10166,7 +10984,7 @@
 </p:sld>
 </file>
 
-<file path=ppt/slides/slide16.xml><?xml version="1.0" encoding="utf-8"?>
+<file path=ppt/slides/slide17.xml><?xml version="1.0" encoding="utf-8"?>
 <p:sld xmlns:a="http://schemas.openxmlformats.org/drawingml/2006/main" xmlns:r="http://schemas.openxmlformats.org/officeDocument/2006/relationships" xmlns:p="http://schemas.openxmlformats.org/presentationml/2006/main">
   <p:cSld>
     <p:spTree>
@@ -10736,7 +11554,7 @@
 </p:sld>
 </file>
 
-<file path=ppt/slides/slide17.xml><?xml version="1.0" encoding="utf-8"?>
+<file path=ppt/slides/slide18.xml><?xml version="1.0" encoding="utf-8"?>
 <p:sld xmlns:a="http://schemas.openxmlformats.org/drawingml/2006/main" xmlns:r="http://schemas.openxmlformats.org/officeDocument/2006/relationships" xmlns:p="http://schemas.openxmlformats.org/presentationml/2006/main">
   <p:cSld>
     <p:spTree>
@@ -11160,7 +11978,7 @@
 </p:sld>
 </file>
 
-<file path=ppt/slides/slide18.xml><?xml version="1.0" encoding="utf-8"?>
+<file path=ppt/slides/slide19.xml><?xml version="1.0" encoding="utf-8"?>
 <p:sld xmlns:a="http://schemas.openxmlformats.org/drawingml/2006/main" xmlns:r="http://schemas.openxmlformats.org/officeDocument/2006/relationships" xmlns:p="http://schemas.openxmlformats.org/presentationml/2006/main">
   <p:cSld>
     <p:spTree>
@@ -11504,353 +12322,6 @@
     <p:extLst>
       <p:ext uri="{BB962C8B-B14F-4D97-AF65-F5344CB8AC3E}">
         <p14:creationId xmlns:p14="http://schemas.microsoft.com/office/powerpoint/2010/main" val="2921537268"/>
-      </p:ext>
-    </p:extLst>
-  </p:cSld>
-  <p:clrMapOvr>
-    <a:masterClrMapping/>
-  </p:clrMapOvr>
-</p:sld>
-</file>
-
-<file path=ppt/slides/slide19.xml><?xml version="1.0" encoding="utf-8"?>
-<p:sld xmlns:a="http://schemas.openxmlformats.org/drawingml/2006/main" xmlns:r="http://schemas.openxmlformats.org/officeDocument/2006/relationships" xmlns:p="http://schemas.openxmlformats.org/presentationml/2006/main">
-  <p:cSld>
-    <p:spTree>
-      <p:nvGrpSpPr>
-        <p:cNvPr id="1" name=""/>
-        <p:cNvGrpSpPr/>
-        <p:nvPr/>
-      </p:nvGrpSpPr>
-      <p:grpSpPr>
-        <a:xfrm>
-          <a:off x="0" y="0"/>
-          <a:ext cx="0" cy="0"/>
-          <a:chOff x="0" y="0"/>
-          <a:chExt cx="0" cy="0"/>
-        </a:xfrm>
-      </p:grpSpPr>
-      <p:sp>
-        <p:nvSpPr>
-          <p:cNvPr id="4" name="椭圆 3"/>
-          <p:cNvSpPr/>
-          <p:nvPr/>
-        </p:nvSpPr>
-        <p:spPr>
-          <a:xfrm>
-            <a:off x="270022" y="151025"/>
-            <a:ext cx="751945" cy="751945"/>
-          </a:xfrm>
-          <a:prstGeom prst="ellipse">
-            <a:avLst/>
-          </a:prstGeom>
-          <a:solidFill>
-            <a:schemeClr val="tx2">
-              <a:lumMod val="75000"/>
-            </a:schemeClr>
-          </a:solidFill>
-          <a:ln>
-            <a:noFill/>
-          </a:ln>
-        </p:spPr>
-        <p:style>
-          <a:lnRef idx="2">
-            <a:schemeClr val="accent1">
-              <a:shade val="50000"/>
-            </a:schemeClr>
-          </a:lnRef>
-          <a:fillRef idx="1">
-            <a:schemeClr val="accent1"/>
-          </a:fillRef>
-          <a:effectRef idx="0">
-            <a:schemeClr val="accent1"/>
-          </a:effectRef>
-          <a:fontRef idx="minor">
-            <a:schemeClr val="lt1"/>
-          </a:fontRef>
-        </p:style>
-        <p:txBody>
-          <a:bodyPr rtlCol="0" anchor="ctr"/>
-          <a:lstStyle/>
-          <a:p>
-            <a:pPr algn="ctr"/>
-            <a:endParaRPr lang="zh-CN" altLang="en-US">
-              <a:solidFill>
-                <a:schemeClr val="tx2">
-                  <a:lumMod val="75000"/>
-                </a:schemeClr>
-              </a:solidFill>
-              <a:cs typeface="+mn-ea"/>
-              <a:sym typeface="+mn-lt"/>
-            </a:endParaRPr>
-          </a:p>
-        </p:txBody>
-      </p:sp>
-      <p:sp>
-        <p:nvSpPr>
-          <p:cNvPr id="5" name="文本框 4"/>
-          <p:cNvSpPr txBox="1"/>
-          <p:nvPr/>
-        </p:nvSpPr>
-        <p:spPr>
-          <a:xfrm>
-            <a:off x="237869" y="173054"/>
-            <a:ext cx="816249" cy="707886"/>
-          </a:xfrm>
-          <a:prstGeom prst="rect">
-            <a:avLst/>
-          </a:prstGeom>
-          <a:noFill/>
-        </p:spPr>
-        <p:txBody>
-          <a:bodyPr wrap="none" rtlCol="0">
-            <a:spAutoFit/>
-          </a:bodyPr>
-          <a:lstStyle/>
-          <a:p>
-            <a:pPr algn="ctr"/>
-            <a:r>
-              <a:rPr lang="en-US" altLang="zh-CN" sz="4000" b="1" dirty="0">
-                <a:solidFill>
-                  <a:schemeClr val="bg1"/>
-                </a:solidFill>
-                <a:cs typeface="+mn-ea"/>
-                <a:sym typeface="+mn-lt"/>
-              </a:rPr>
-              <a:t>04</a:t>
-            </a:r>
-            <a:endParaRPr lang="zh-CN" altLang="en-US" sz="4000" b="1" dirty="0">
-              <a:solidFill>
-                <a:schemeClr val="bg1"/>
-              </a:solidFill>
-              <a:cs typeface="+mn-ea"/>
-              <a:sym typeface="+mn-lt"/>
-            </a:endParaRPr>
-          </a:p>
-        </p:txBody>
-      </p:sp>
-      <p:sp>
-        <p:nvSpPr>
-          <p:cNvPr id="6" name="文本框 5"/>
-          <p:cNvSpPr txBox="1"/>
-          <p:nvPr/>
-        </p:nvSpPr>
-        <p:spPr>
-          <a:xfrm>
-            <a:off x="1145343" y="326942"/>
-            <a:ext cx="2260797" cy="400110"/>
-          </a:xfrm>
-          <a:prstGeom prst="rect">
-            <a:avLst/>
-          </a:prstGeom>
-          <a:noFill/>
-        </p:spPr>
-        <p:txBody>
-          <a:bodyPr wrap="square" rtlCol="0">
-            <a:spAutoFit/>
-          </a:bodyPr>
-          <a:lstStyle>
-            <a:defPPr>
-              <a:defRPr lang="en-US"/>
-            </a:defPPr>
-            <a:lvl1pPr marL="0" algn="l" defTabSz="914400" rtl="0" eaLnBrk="1" latinLnBrk="0" hangingPunct="1">
-              <a:defRPr sz="1800" kern="1200">
-                <a:solidFill>
-                  <a:schemeClr val="tx1"/>
-                </a:solidFill>
-                <a:latin typeface="+mn-lt"/>
-                <a:ea typeface="+mn-ea"/>
-                <a:cs typeface="+mn-cs"/>
-              </a:defRPr>
-            </a:lvl1pPr>
-            <a:lvl2pPr marL="457200" algn="l" defTabSz="914400" rtl="0" eaLnBrk="1" latinLnBrk="0" hangingPunct="1">
-              <a:defRPr sz="1800" kern="1200">
-                <a:solidFill>
-                  <a:schemeClr val="tx1"/>
-                </a:solidFill>
-                <a:latin typeface="+mn-lt"/>
-                <a:ea typeface="+mn-ea"/>
-                <a:cs typeface="+mn-cs"/>
-              </a:defRPr>
-            </a:lvl2pPr>
-            <a:lvl3pPr marL="914400" algn="l" defTabSz="914400" rtl="0" eaLnBrk="1" latinLnBrk="0" hangingPunct="1">
-              <a:defRPr sz="1800" kern="1200">
-                <a:solidFill>
-                  <a:schemeClr val="tx1"/>
-                </a:solidFill>
-                <a:latin typeface="+mn-lt"/>
-                <a:ea typeface="+mn-ea"/>
-                <a:cs typeface="+mn-cs"/>
-              </a:defRPr>
-            </a:lvl3pPr>
-            <a:lvl4pPr marL="1371600" algn="l" defTabSz="914400" rtl="0" eaLnBrk="1" latinLnBrk="0" hangingPunct="1">
-              <a:defRPr sz="1800" kern="1200">
-                <a:solidFill>
-                  <a:schemeClr val="tx1"/>
-                </a:solidFill>
-                <a:latin typeface="+mn-lt"/>
-                <a:ea typeface="+mn-ea"/>
-                <a:cs typeface="+mn-cs"/>
-              </a:defRPr>
-            </a:lvl4pPr>
-            <a:lvl5pPr marL="1828800" algn="l" defTabSz="914400" rtl="0" eaLnBrk="1" latinLnBrk="0" hangingPunct="1">
-              <a:defRPr sz="1800" kern="1200">
-                <a:solidFill>
-                  <a:schemeClr val="tx1"/>
-                </a:solidFill>
-                <a:latin typeface="+mn-lt"/>
-                <a:ea typeface="+mn-ea"/>
-                <a:cs typeface="+mn-cs"/>
-              </a:defRPr>
-            </a:lvl5pPr>
-            <a:lvl6pPr marL="2286000" algn="l" defTabSz="914400" rtl="0" eaLnBrk="1" latinLnBrk="0" hangingPunct="1">
-              <a:defRPr sz="1800" kern="1200">
-                <a:solidFill>
-                  <a:schemeClr val="tx1"/>
-                </a:solidFill>
-                <a:latin typeface="+mn-lt"/>
-                <a:ea typeface="+mn-ea"/>
-                <a:cs typeface="+mn-cs"/>
-              </a:defRPr>
-            </a:lvl6pPr>
-            <a:lvl7pPr marL="2743200" algn="l" defTabSz="914400" rtl="0" eaLnBrk="1" latinLnBrk="0" hangingPunct="1">
-              <a:defRPr sz="1800" kern="1200">
-                <a:solidFill>
-                  <a:schemeClr val="tx1"/>
-                </a:solidFill>
-                <a:latin typeface="+mn-lt"/>
-                <a:ea typeface="+mn-ea"/>
-                <a:cs typeface="+mn-cs"/>
-              </a:defRPr>
-            </a:lvl7pPr>
-            <a:lvl8pPr marL="3200400" algn="l" defTabSz="914400" rtl="0" eaLnBrk="1" latinLnBrk="0" hangingPunct="1">
-              <a:defRPr sz="1800" kern="1200">
-                <a:solidFill>
-                  <a:schemeClr val="tx1"/>
-                </a:solidFill>
-                <a:latin typeface="+mn-lt"/>
-                <a:ea typeface="+mn-ea"/>
-                <a:cs typeface="+mn-cs"/>
-              </a:defRPr>
-            </a:lvl8pPr>
-            <a:lvl9pPr marL="3657600" algn="l" defTabSz="914400" rtl="0" eaLnBrk="1" latinLnBrk="0" hangingPunct="1">
-              <a:defRPr sz="1800" kern="1200">
-                <a:solidFill>
-                  <a:schemeClr val="tx1"/>
-                </a:solidFill>
-                <a:latin typeface="+mn-lt"/>
-                <a:ea typeface="+mn-ea"/>
-                <a:cs typeface="+mn-cs"/>
-              </a:defRPr>
-            </a:lvl9pPr>
-          </a:lstStyle>
-          <a:p>
-            <a:pPr algn="dist"/>
-            <a:r>
-              <a:rPr lang="zh-CN" altLang="en-US" sz="2000" dirty="0">
-                <a:solidFill>
-                  <a:schemeClr val="tx1">
-                    <a:lumMod val="75000"/>
-                    <a:lumOff val="25000"/>
-                  </a:schemeClr>
-                </a:solidFill>
-                <a:cs typeface="+mn-ea"/>
-                <a:sym typeface="+mn-lt"/>
-              </a:rPr>
-              <a:t>后续安排</a:t>
-            </a:r>
-          </a:p>
-        </p:txBody>
-      </p:sp>
-      <p:sp>
-        <p:nvSpPr>
-          <p:cNvPr id="2" name="文本框 1">
-            <a:extLst>
-              <a:ext uri="{FF2B5EF4-FFF2-40B4-BE49-F238E27FC236}">
-                <a16:creationId xmlns:a16="http://schemas.microsoft.com/office/drawing/2014/main" id="{51646F16-B289-4ED3-8F5A-61CA1AD0FAF4}"/>
-              </a:ext>
-            </a:extLst>
-          </p:cNvPr>
-          <p:cNvSpPr txBox="1"/>
-          <p:nvPr/>
-        </p:nvSpPr>
-        <p:spPr>
-          <a:xfrm>
-            <a:off x="1219200" y="1909313"/>
-            <a:ext cx="7326702" cy="923330"/>
-          </a:xfrm>
-          <a:prstGeom prst="rect">
-            <a:avLst/>
-          </a:prstGeom>
-          <a:noFill/>
-        </p:spPr>
-        <p:txBody>
-          <a:bodyPr wrap="square" rtlCol="0">
-            <a:spAutoFit/>
-          </a:bodyPr>
-          <a:lstStyle/>
-          <a:p>
-            <a:pPr marL="285750" indent="-285750">
-              <a:buFont typeface="Arial" panose="020B0604020202020204" pitchFamily="34" charset="0"/>
-              <a:buChar char="•"/>
-            </a:pPr>
-            <a:r>
-              <a:rPr lang="zh-CN" altLang="en-US" dirty="0"/>
-              <a:t>继续优化</a:t>
-            </a:r>
-            <a:r>
-              <a:rPr lang="en-US" altLang="zh-CN" dirty="0"/>
-              <a:t>PID</a:t>
-            </a:r>
-            <a:r>
-              <a:rPr lang="zh-CN" altLang="en-US" dirty="0"/>
-              <a:t>控制参数，并将时间序列模块部署到</a:t>
-            </a:r>
-            <a:r>
-              <a:rPr lang="en-US" altLang="zh-CN" dirty="0"/>
-              <a:t>ns3</a:t>
-            </a:r>
-            <a:r>
-              <a:rPr lang="zh-CN" altLang="en-US" dirty="0"/>
-              <a:t>仿真平台中</a:t>
-            </a:r>
-            <a:endParaRPr lang="en-US" altLang="zh-CN" dirty="0"/>
-          </a:p>
-          <a:p>
-            <a:pPr marL="285750" indent="-285750">
-              <a:buFont typeface="Arial" panose="020B0604020202020204" pitchFamily="34" charset="0"/>
-              <a:buChar char="•"/>
-            </a:pPr>
-            <a:r>
-              <a:rPr lang="zh-CN" altLang="en-US" dirty="0"/>
-              <a:t>同其他</a:t>
-            </a:r>
-            <a:r>
-              <a:rPr lang="en-US" altLang="zh-CN" dirty="0"/>
-              <a:t>DCN</a:t>
-            </a:r>
-            <a:r>
-              <a:rPr lang="zh-CN" altLang="en-US" dirty="0"/>
-              <a:t>拥塞控制算法进行比较分析</a:t>
-            </a:r>
-            <a:endParaRPr lang="en-US" altLang="zh-CN" dirty="0"/>
-          </a:p>
-          <a:p>
-            <a:pPr marL="285750" indent="-285750">
-              <a:buFont typeface="Arial" panose="020B0604020202020204" pitchFamily="34" charset="0"/>
-              <a:buChar char="•"/>
-            </a:pPr>
-            <a:r>
-              <a:rPr lang="zh-CN" altLang="en-US" dirty="0"/>
-              <a:t>论文撰写</a:t>
-            </a:r>
-          </a:p>
-        </p:txBody>
-      </p:sp>
-    </p:spTree>
-    <p:extLst>
-      <p:ext uri="{BB962C8B-B14F-4D97-AF65-F5344CB8AC3E}">
-        <p14:creationId xmlns:p14="http://schemas.microsoft.com/office/powerpoint/2010/main" val="4244254076"/>
       </p:ext>
     </p:extLst>
   </p:cSld>
@@ -14268,6 +14739,353 @@
 </file>
 
 <file path=ppt/slides/slide20.xml><?xml version="1.0" encoding="utf-8"?>
+<p:sld xmlns:a="http://schemas.openxmlformats.org/drawingml/2006/main" xmlns:r="http://schemas.openxmlformats.org/officeDocument/2006/relationships" xmlns:p="http://schemas.openxmlformats.org/presentationml/2006/main">
+  <p:cSld>
+    <p:spTree>
+      <p:nvGrpSpPr>
+        <p:cNvPr id="1" name=""/>
+        <p:cNvGrpSpPr/>
+        <p:nvPr/>
+      </p:nvGrpSpPr>
+      <p:grpSpPr>
+        <a:xfrm>
+          <a:off x="0" y="0"/>
+          <a:ext cx="0" cy="0"/>
+          <a:chOff x="0" y="0"/>
+          <a:chExt cx="0" cy="0"/>
+        </a:xfrm>
+      </p:grpSpPr>
+      <p:sp>
+        <p:nvSpPr>
+          <p:cNvPr id="4" name="椭圆 3"/>
+          <p:cNvSpPr/>
+          <p:nvPr/>
+        </p:nvSpPr>
+        <p:spPr>
+          <a:xfrm>
+            <a:off x="270022" y="151025"/>
+            <a:ext cx="751945" cy="751945"/>
+          </a:xfrm>
+          <a:prstGeom prst="ellipse">
+            <a:avLst/>
+          </a:prstGeom>
+          <a:solidFill>
+            <a:schemeClr val="tx2">
+              <a:lumMod val="75000"/>
+            </a:schemeClr>
+          </a:solidFill>
+          <a:ln>
+            <a:noFill/>
+          </a:ln>
+        </p:spPr>
+        <p:style>
+          <a:lnRef idx="2">
+            <a:schemeClr val="accent1">
+              <a:shade val="50000"/>
+            </a:schemeClr>
+          </a:lnRef>
+          <a:fillRef idx="1">
+            <a:schemeClr val="accent1"/>
+          </a:fillRef>
+          <a:effectRef idx="0">
+            <a:schemeClr val="accent1"/>
+          </a:effectRef>
+          <a:fontRef idx="minor">
+            <a:schemeClr val="lt1"/>
+          </a:fontRef>
+        </p:style>
+        <p:txBody>
+          <a:bodyPr rtlCol="0" anchor="ctr"/>
+          <a:lstStyle/>
+          <a:p>
+            <a:pPr algn="ctr"/>
+            <a:endParaRPr lang="zh-CN" altLang="en-US">
+              <a:solidFill>
+                <a:schemeClr val="tx2">
+                  <a:lumMod val="75000"/>
+                </a:schemeClr>
+              </a:solidFill>
+              <a:cs typeface="+mn-ea"/>
+              <a:sym typeface="+mn-lt"/>
+            </a:endParaRPr>
+          </a:p>
+        </p:txBody>
+      </p:sp>
+      <p:sp>
+        <p:nvSpPr>
+          <p:cNvPr id="5" name="文本框 4"/>
+          <p:cNvSpPr txBox="1"/>
+          <p:nvPr/>
+        </p:nvSpPr>
+        <p:spPr>
+          <a:xfrm>
+            <a:off x="237869" y="173054"/>
+            <a:ext cx="816249" cy="707886"/>
+          </a:xfrm>
+          <a:prstGeom prst="rect">
+            <a:avLst/>
+          </a:prstGeom>
+          <a:noFill/>
+        </p:spPr>
+        <p:txBody>
+          <a:bodyPr wrap="none" rtlCol="0">
+            <a:spAutoFit/>
+          </a:bodyPr>
+          <a:lstStyle/>
+          <a:p>
+            <a:pPr algn="ctr"/>
+            <a:r>
+              <a:rPr lang="en-US" altLang="zh-CN" sz="4000" b="1" dirty="0">
+                <a:solidFill>
+                  <a:schemeClr val="bg1"/>
+                </a:solidFill>
+                <a:cs typeface="+mn-ea"/>
+                <a:sym typeface="+mn-lt"/>
+              </a:rPr>
+              <a:t>04</a:t>
+            </a:r>
+            <a:endParaRPr lang="zh-CN" altLang="en-US" sz="4000" b="1" dirty="0">
+              <a:solidFill>
+                <a:schemeClr val="bg1"/>
+              </a:solidFill>
+              <a:cs typeface="+mn-ea"/>
+              <a:sym typeface="+mn-lt"/>
+            </a:endParaRPr>
+          </a:p>
+        </p:txBody>
+      </p:sp>
+      <p:sp>
+        <p:nvSpPr>
+          <p:cNvPr id="6" name="文本框 5"/>
+          <p:cNvSpPr txBox="1"/>
+          <p:nvPr/>
+        </p:nvSpPr>
+        <p:spPr>
+          <a:xfrm>
+            <a:off x="1145343" y="326942"/>
+            <a:ext cx="2260797" cy="400110"/>
+          </a:xfrm>
+          <a:prstGeom prst="rect">
+            <a:avLst/>
+          </a:prstGeom>
+          <a:noFill/>
+        </p:spPr>
+        <p:txBody>
+          <a:bodyPr wrap="square" rtlCol="0">
+            <a:spAutoFit/>
+          </a:bodyPr>
+          <a:lstStyle>
+            <a:defPPr>
+              <a:defRPr lang="en-US"/>
+            </a:defPPr>
+            <a:lvl1pPr marL="0" algn="l" defTabSz="914400" rtl="0" eaLnBrk="1" latinLnBrk="0" hangingPunct="1">
+              <a:defRPr sz="1800" kern="1200">
+                <a:solidFill>
+                  <a:schemeClr val="tx1"/>
+                </a:solidFill>
+                <a:latin typeface="+mn-lt"/>
+                <a:ea typeface="+mn-ea"/>
+                <a:cs typeface="+mn-cs"/>
+              </a:defRPr>
+            </a:lvl1pPr>
+            <a:lvl2pPr marL="457200" algn="l" defTabSz="914400" rtl="0" eaLnBrk="1" latinLnBrk="0" hangingPunct="1">
+              <a:defRPr sz="1800" kern="1200">
+                <a:solidFill>
+                  <a:schemeClr val="tx1"/>
+                </a:solidFill>
+                <a:latin typeface="+mn-lt"/>
+                <a:ea typeface="+mn-ea"/>
+                <a:cs typeface="+mn-cs"/>
+              </a:defRPr>
+            </a:lvl2pPr>
+            <a:lvl3pPr marL="914400" algn="l" defTabSz="914400" rtl="0" eaLnBrk="1" latinLnBrk="0" hangingPunct="1">
+              <a:defRPr sz="1800" kern="1200">
+                <a:solidFill>
+                  <a:schemeClr val="tx1"/>
+                </a:solidFill>
+                <a:latin typeface="+mn-lt"/>
+                <a:ea typeface="+mn-ea"/>
+                <a:cs typeface="+mn-cs"/>
+              </a:defRPr>
+            </a:lvl3pPr>
+            <a:lvl4pPr marL="1371600" algn="l" defTabSz="914400" rtl="0" eaLnBrk="1" latinLnBrk="0" hangingPunct="1">
+              <a:defRPr sz="1800" kern="1200">
+                <a:solidFill>
+                  <a:schemeClr val="tx1"/>
+                </a:solidFill>
+                <a:latin typeface="+mn-lt"/>
+                <a:ea typeface="+mn-ea"/>
+                <a:cs typeface="+mn-cs"/>
+              </a:defRPr>
+            </a:lvl4pPr>
+            <a:lvl5pPr marL="1828800" algn="l" defTabSz="914400" rtl="0" eaLnBrk="1" latinLnBrk="0" hangingPunct="1">
+              <a:defRPr sz="1800" kern="1200">
+                <a:solidFill>
+                  <a:schemeClr val="tx1"/>
+                </a:solidFill>
+                <a:latin typeface="+mn-lt"/>
+                <a:ea typeface="+mn-ea"/>
+                <a:cs typeface="+mn-cs"/>
+              </a:defRPr>
+            </a:lvl5pPr>
+            <a:lvl6pPr marL="2286000" algn="l" defTabSz="914400" rtl="0" eaLnBrk="1" latinLnBrk="0" hangingPunct="1">
+              <a:defRPr sz="1800" kern="1200">
+                <a:solidFill>
+                  <a:schemeClr val="tx1"/>
+                </a:solidFill>
+                <a:latin typeface="+mn-lt"/>
+                <a:ea typeface="+mn-ea"/>
+                <a:cs typeface="+mn-cs"/>
+              </a:defRPr>
+            </a:lvl6pPr>
+            <a:lvl7pPr marL="2743200" algn="l" defTabSz="914400" rtl="0" eaLnBrk="1" latinLnBrk="0" hangingPunct="1">
+              <a:defRPr sz="1800" kern="1200">
+                <a:solidFill>
+                  <a:schemeClr val="tx1"/>
+                </a:solidFill>
+                <a:latin typeface="+mn-lt"/>
+                <a:ea typeface="+mn-ea"/>
+                <a:cs typeface="+mn-cs"/>
+              </a:defRPr>
+            </a:lvl7pPr>
+            <a:lvl8pPr marL="3200400" algn="l" defTabSz="914400" rtl="0" eaLnBrk="1" latinLnBrk="0" hangingPunct="1">
+              <a:defRPr sz="1800" kern="1200">
+                <a:solidFill>
+                  <a:schemeClr val="tx1"/>
+                </a:solidFill>
+                <a:latin typeface="+mn-lt"/>
+                <a:ea typeface="+mn-ea"/>
+                <a:cs typeface="+mn-cs"/>
+              </a:defRPr>
+            </a:lvl8pPr>
+            <a:lvl9pPr marL="3657600" algn="l" defTabSz="914400" rtl="0" eaLnBrk="1" latinLnBrk="0" hangingPunct="1">
+              <a:defRPr sz="1800" kern="1200">
+                <a:solidFill>
+                  <a:schemeClr val="tx1"/>
+                </a:solidFill>
+                <a:latin typeface="+mn-lt"/>
+                <a:ea typeface="+mn-ea"/>
+                <a:cs typeface="+mn-cs"/>
+              </a:defRPr>
+            </a:lvl9pPr>
+          </a:lstStyle>
+          <a:p>
+            <a:pPr algn="dist"/>
+            <a:r>
+              <a:rPr lang="zh-CN" altLang="en-US" sz="2000" dirty="0">
+                <a:solidFill>
+                  <a:schemeClr val="tx1">
+                    <a:lumMod val="75000"/>
+                    <a:lumOff val="25000"/>
+                  </a:schemeClr>
+                </a:solidFill>
+                <a:cs typeface="+mn-ea"/>
+                <a:sym typeface="+mn-lt"/>
+              </a:rPr>
+              <a:t>后续安排</a:t>
+            </a:r>
+          </a:p>
+        </p:txBody>
+      </p:sp>
+      <p:sp>
+        <p:nvSpPr>
+          <p:cNvPr id="2" name="文本框 1">
+            <a:extLst>
+              <a:ext uri="{FF2B5EF4-FFF2-40B4-BE49-F238E27FC236}">
+                <a16:creationId xmlns:a16="http://schemas.microsoft.com/office/drawing/2014/main" id="{51646F16-B289-4ED3-8F5A-61CA1AD0FAF4}"/>
+              </a:ext>
+            </a:extLst>
+          </p:cNvPr>
+          <p:cNvSpPr txBox="1"/>
+          <p:nvPr/>
+        </p:nvSpPr>
+        <p:spPr>
+          <a:xfrm>
+            <a:off x="1219200" y="1909313"/>
+            <a:ext cx="7326702" cy="923330"/>
+          </a:xfrm>
+          <a:prstGeom prst="rect">
+            <a:avLst/>
+          </a:prstGeom>
+          <a:noFill/>
+        </p:spPr>
+        <p:txBody>
+          <a:bodyPr wrap="square" rtlCol="0">
+            <a:spAutoFit/>
+          </a:bodyPr>
+          <a:lstStyle/>
+          <a:p>
+            <a:pPr marL="285750" indent="-285750">
+              <a:buFont typeface="Arial" panose="020B0604020202020204" pitchFamily="34" charset="0"/>
+              <a:buChar char="•"/>
+            </a:pPr>
+            <a:r>
+              <a:rPr lang="zh-CN" altLang="en-US" dirty="0"/>
+              <a:t>继续优化</a:t>
+            </a:r>
+            <a:r>
+              <a:rPr lang="en-US" altLang="zh-CN" dirty="0"/>
+              <a:t>PID</a:t>
+            </a:r>
+            <a:r>
+              <a:rPr lang="zh-CN" altLang="en-US" dirty="0"/>
+              <a:t>控制参数，并将时间序列模块部署到</a:t>
+            </a:r>
+            <a:r>
+              <a:rPr lang="en-US" altLang="zh-CN" dirty="0"/>
+              <a:t>ns3</a:t>
+            </a:r>
+            <a:r>
+              <a:rPr lang="zh-CN" altLang="en-US" dirty="0"/>
+              <a:t>仿真平台中</a:t>
+            </a:r>
+            <a:endParaRPr lang="en-US" altLang="zh-CN" dirty="0"/>
+          </a:p>
+          <a:p>
+            <a:pPr marL="285750" indent="-285750">
+              <a:buFont typeface="Arial" panose="020B0604020202020204" pitchFamily="34" charset="0"/>
+              <a:buChar char="•"/>
+            </a:pPr>
+            <a:r>
+              <a:rPr lang="zh-CN" altLang="en-US" dirty="0"/>
+              <a:t>同其他</a:t>
+            </a:r>
+            <a:r>
+              <a:rPr lang="en-US" altLang="zh-CN" dirty="0"/>
+              <a:t>DCN</a:t>
+            </a:r>
+            <a:r>
+              <a:rPr lang="zh-CN" altLang="en-US" dirty="0"/>
+              <a:t>拥塞控制算法进行比较分析</a:t>
+            </a:r>
+            <a:endParaRPr lang="en-US" altLang="zh-CN" dirty="0"/>
+          </a:p>
+          <a:p>
+            <a:pPr marL="285750" indent="-285750">
+              <a:buFont typeface="Arial" panose="020B0604020202020204" pitchFamily="34" charset="0"/>
+              <a:buChar char="•"/>
+            </a:pPr>
+            <a:r>
+              <a:rPr lang="zh-CN" altLang="en-US" dirty="0"/>
+              <a:t>论文撰写</a:t>
+            </a:r>
+          </a:p>
+        </p:txBody>
+      </p:sp>
+    </p:spTree>
+    <p:extLst>
+      <p:ext uri="{BB962C8B-B14F-4D97-AF65-F5344CB8AC3E}">
+        <p14:creationId xmlns:p14="http://schemas.microsoft.com/office/powerpoint/2010/main" val="4244254076"/>
+      </p:ext>
+    </p:extLst>
+  </p:cSld>
+  <p:clrMapOvr>
+    <a:masterClrMapping/>
+  </p:clrMapOvr>
+</p:sld>
+</file>
+
+<file path=ppt/slides/slide21.xml><?xml version="1.0" encoding="utf-8"?>
 <p:sld xmlns:a="http://schemas.openxmlformats.org/drawingml/2006/main" xmlns:r="http://schemas.openxmlformats.org/officeDocument/2006/relationships" xmlns:p="http://schemas.openxmlformats.org/presentationml/2006/main">
   <p:cSld>
     <p:spTree>
@@ -17334,6 +18152,64 @@
           <a:chExt cx="0" cy="0"/>
         </a:xfrm>
       </p:grpSpPr>
+      <p:pic>
+        <p:nvPicPr>
+          <p:cNvPr id="2" name="图片 1">
+            <a:extLst>
+              <a:ext uri="{FF2B5EF4-FFF2-40B4-BE49-F238E27FC236}">
+                <a16:creationId xmlns:a16="http://schemas.microsoft.com/office/drawing/2014/main" id="{97CC9432-98A3-45FE-93F1-92D3133F7048}"/>
+              </a:ext>
+            </a:extLst>
+          </p:cNvPr>
+          <p:cNvPicPr/>
+          <p:nvPr/>
+        </p:nvPicPr>
+        <p:blipFill>
+          <a:blip r:embed="rId2"/>
+          <a:stretch>
+            <a:fillRect/>
+          </a:stretch>
+        </p:blipFill>
+        <p:spPr>
+          <a:xfrm>
+            <a:off x="743319" y="519144"/>
+            <a:ext cx="9149900" cy="5220929"/>
+          </a:xfrm>
+          <a:prstGeom prst="rect">
+            <a:avLst/>
+          </a:prstGeom>
+        </p:spPr>
+      </p:pic>
+    </p:spTree>
+    <p:extLst>
+      <p:ext uri="{BB962C8B-B14F-4D97-AF65-F5344CB8AC3E}">
+        <p14:creationId xmlns:p14="http://schemas.microsoft.com/office/powerpoint/2010/main" val="1285319856"/>
+      </p:ext>
+    </p:extLst>
+  </p:cSld>
+  <p:clrMapOvr>
+    <a:masterClrMapping/>
+  </p:clrMapOvr>
+</p:sld>
+</file>
+
+<file path=ppt/slides/slide9.xml><?xml version="1.0" encoding="utf-8"?>
+<p:sld xmlns:a="http://schemas.openxmlformats.org/drawingml/2006/main" xmlns:r="http://schemas.openxmlformats.org/officeDocument/2006/relationships" xmlns:p="http://schemas.openxmlformats.org/presentationml/2006/main">
+  <p:cSld>
+    <p:spTree>
+      <p:nvGrpSpPr>
+        <p:cNvPr id="1" name=""/>
+        <p:cNvGrpSpPr/>
+        <p:nvPr/>
+      </p:nvGrpSpPr>
+      <p:grpSpPr>
+        <a:xfrm>
+          <a:off x="0" y="0"/>
+          <a:ext cx="0" cy="0"/>
+          <a:chOff x="0" y="0"/>
+          <a:chExt cx="0" cy="0"/>
+        </a:xfrm>
+      </p:grpSpPr>
       <p:sp>
         <p:nvSpPr>
           <p:cNvPr id="4" name="椭圆 3"/>
@@ -17936,816 +18812,6 @@
     <p:extLst>
       <p:ext uri="{BB962C8B-B14F-4D97-AF65-F5344CB8AC3E}">
         <p14:creationId xmlns:p14="http://schemas.microsoft.com/office/powerpoint/2010/main" val="3301194100"/>
-      </p:ext>
-    </p:extLst>
-  </p:cSld>
-  <p:clrMapOvr>
-    <a:masterClrMapping/>
-  </p:clrMapOvr>
-</p:sld>
-</file>
-
-<file path=ppt/slides/slide9.xml><?xml version="1.0" encoding="utf-8"?>
-<p:sld xmlns:a="http://schemas.openxmlformats.org/drawingml/2006/main" xmlns:r="http://schemas.openxmlformats.org/officeDocument/2006/relationships" xmlns:p="http://schemas.openxmlformats.org/presentationml/2006/main">
-  <p:cSld>
-    <p:spTree>
-      <p:nvGrpSpPr>
-        <p:cNvPr id="1" name=""/>
-        <p:cNvGrpSpPr/>
-        <p:nvPr/>
-      </p:nvGrpSpPr>
-      <p:grpSpPr>
-        <a:xfrm>
-          <a:off x="0" y="0"/>
-          <a:ext cx="0" cy="0"/>
-          <a:chOff x="0" y="0"/>
-          <a:chExt cx="0" cy="0"/>
-        </a:xfrm>
-      </p:grpSpPr>
-      <p:sp>
-        <p:nvSpPr>
-          <p:cNvPr id="4" name="椭圆 3"/>
-          <p:cNvSpPr/>
-          <p:nvPr/>
-        </p:nvSpPr>
-        <p:spPr>
-          <a:xfrm>
-            <a:off x="270022" y="151025"/>
-            <a:ext cx="751945" cy="751945"/>
-          </a:xfrm>
-          <a:prstGeom prst="ellipse">
-            <a:avLst/>
-          </a:prstGeom>
-          <a:solidFill>
-            <a:schemeClr val="tx2">
-              <a:lumMod val="75000"/>
-            </a:schemeClr>
-          </a:solidFill>
-          <a:ln>
-            <a:noFill/>
-          </a:ln>
-        </p:spPr>
-        <p:style>
-          <a:lnRef idx="2">
-            <a:schemeClr val="accent1">
-              <a:shade val="50000"/>
-            </a:schemeClr>
-          </a:lnRef>
-          <a:fillRef idx="1">
-            <a:schemeClr val="accent1"/>
-          </a:fillRef>
-          <a:effectRef idx="0">
-            <a:schemeClr val="accent1"/>
-          </a:effectRef>
-          <a:fontRef idx="minor">
-            <a:schemeClr val="lt1"/>
-          </a:fontRef>
-        </p:style>
-        <p:txBody>
-          <a:bodyPr rtlCol="0" anchor="ctr"/>
-          <a:lstStyle/>
-          <a:p>
-            <a:pPr algn="ctr"/>
-            <a:endParaRPr lang="zh-CN" altLang="en-US">
-              <a:solidFill>
-                <a:schemeClr val="tx2">
-                  <a:lumMod val="75000"/>
-                </a:schemeClr>
-              </a:solidFill>
-              <a:cs typeface="+mn-ea"/>
-              <a:sym typeface="+mn-lt"/>
-            </a:endParaRPr>
-          </a:p>
-        </p:txBody>
-      </p:sp>
-      <p:sp>
-        <p:nvSpPr>
-          <p:cNvPr id="5" name="文本框 4"/>
-          <p:cNvSpPr txBox="1"/>
-          <p:nvPr/>
-        </p:nvSpPr>
-        <p:spPr>
-          <a:xfrm>
-            <a:off x="237869" y="173054"/>
-            <a:ext cx="816250" cy="707886"/>
-          </a:xfrm>
-          <a:prstGeom prst="rect">
-            <a:avLst/>
-          </a:prstGeom>
-          <a:noFill/>
-        </p:spPr>
-        <p:txBody>
-          <a:bodyPr wrap="none" rtlCol="0">
-            <a:spAutoFit/>
-          </a:bodyPr>
-          <a:lstStyle/>
-          <a:p>
-            <a:pPr algn="ctr"/>
-            <a:r>
-              <a:rPr lang="en-US" altLang="zh-CN" sz="4000" b="1" dirty="0">
-                <a:solidFill>
-                  <a:schemeClr val="bg1"/>
-                </a:solidFill>
-                <a:cs typeface="+mn-ea"/>
-                <a:sym typeface="+mn-lt"/>
-              </a:rPr>
-              <a:t>02</a:t>
-            </a:r>
-            <a:endParaRPr lang="zh-CN" altLang="en-US" sz="4000" b="1" dirty="0">
-              <a:solidFill>
-                <a:schemeClr val="bg1"/>
-              </a:solidFill>
-              <a:cs typeface="+mn-ea"/>
-              <a:sym typeface="+mn-lt"/>
-            </a:endParaRPr>
-          </a:p>
-        </p:txBody>
-      </p:sp>
-      <p:sp>
-        <p:nvSpPr>
-          <p:cNvPr id="6" name="文本框 5"/>
-          <p:cNvSpPr txBox="1"/>
-          <p:nvPr/>
-        </p:nvSpPr>
-        <p:spPr>
-          <a:xfrm>
-            <a:off x="1145343" y="326942"/>
-            <a:ext cx="2260797" cy="400110"/>
-          </a:xfrm>
-          <a:prstGeom prst="rect">
-            <a:avLst/>
-          </a:prstGeom>
-          <a:noFill/>
-        </p:spPr>
-        <p:txBody>
-          <a:bodyPr wrap="square" rtlCol="0">
-            <a:spAutoFit/>
-          </a:bodyPr>
-          <a:lstStyle>
-            <a:defPPr>
-              <a:defRPr lang="en-US"/>
-            </a:defPPr>
-            <a:lvl1pPr marL="0" algn="l" defTabSz="914400" rtl="0" eaLnBrk="1" latinLnBrk="0" hangingPunct="1">
-              <a:defRPr sz="1800" kern="1200">
-                <a:solidFill>
-                  <a:schemeClr val="tx1"/>
-                </a:solidFill>
-                <a:latin typeface="+mn-lt"/>
-                <a:ea typeface="+mn-ea"/>
-                <a:cs typeface="+mn-cs"/>
-              </a:defRPr>
-            </a:lvl1pPr>
-            <a:lvl2pPr marL="457200" algn="l" defTabSz="914400" rtl="0" eaLnBrk="1" latinLnBrk="0" hangingPunct="1">
-              <a:defRPr sz="1800" kern="1200">
-                <a:solidFill>
-                  <a:schemeClr val="tx1"/>
-                </a:solidFill>
-                <a:latin typeface="+mn-lt"/>
-                <a:ea typeface="+mn-ea"/>
-                <a:cs typeface="+mn-cs"/>
-              </a:defRPr>
-            </a:lvl2pPr>
-            <a:lvl3pPr marL="914400" algn="l" defTabSz="914400" rtl="0" eaLnBrk="1" latinLnBrk="0" hangingPunct="1">
-              <a:defRPr sz="1800" kern="1200">
-                <a:solidFill>
-                  <a:schemeClr val="tx1"/>
-                </a:solidFill>
-                <a:latin typeface="+mn-lt"/>
-                <a:ea typeface="+mn-ea"/>
-                <a:cs typeface="+mn-cs"/>
-              </a:defRPr>
-            </a:lvl3pPr>
-            <a:lvl4pPr marL="1371600" algn="l" defTabSz="914400" rtl="0" eaLnBrk="1" latinLnBrk="0" hangingPunct="1">
-              <a:defRPr sz="1800" kern="1200">
-                <a:solidFill>
-                  <a:schemeClr val="tx1"/>
-                </a:solidFill>
-                <a:latin typeface="+mn-lt"/>
-                <a:ea typeface="+mn-ea"/>
-                <a:cs typeface="+mn-cs"/>
-              </a:defRPr>
-            </a:lvl4pPr>
-            <a:lvl5pPr marL="1828800" algn="l" defTabSz="914400" rtl="0" eaLnBrk="1" latinLnBrk="0" hangingPunct="1">
-              <a:defRPr sz="1800" kern="1200">
-                <a:solidFill>
-                  <a:schemeClr val="tx1"/>
-                </a:solidFill>
-                <a:latin typeface="+mn-lt"/>
-                <a:ea typeface="+mn-ea"/>
-                <a:cs typeface="+mn-cs"/>
-              </a:defRPr>
-            </a:lvl5pPr>
-            <a:lvl6pPr marL="2286000" algn="l" defTabSz="914400" rtl="0" eaLnBrk="1" latinLnBrk="0" hangingPunct="1">
-              <a:defRPr sz="1800" kern="1200">
-                <a:solidFill>
-                  <a:schemeClr val="tx1"/>
-                </a:solidFill>
-                <a:latin typeface="+mn-lt"/>
-                <a:ea typeface="+mn-ea"/>
-                <a:cs typeface="+mn-cs"/>
-              </a:defRPr>
-            </a:lvl6pPr>
-            <a:lvl7pPr marL="2743200" algn="l" defTabSz="914400" rtl="0" eaLnBrk="1" latinLnBrk="0" hangingPunct="1">
-              <a:defRPr sz="1800" kern="1200">
-                <a:solidFill>
-                  <a:schemeClr val="tx1"/>
-                </a:solidFill>
-                <a:latin typeface="+mn-lt"/>
-                <a:ea typeface="+mn-ea"/>
-                <a:cs typeface="+mn-cs"/>
-              </a:defRPr>
-            </a:lvl7pPr>
-            <a:lvl8pPr marL="3200400" algn="l" defTabSz="914400" rtl="0" eaLnBrk="1" latinLnBrk="0" hangingPunct="1">
-              <a:defRPr sz="1800" kern="1200">
-                <a:solidFill>
-                  <a:schemeClr val="tx1"/>
-                </a:solidFill>
-                <a:latin typeface="+mn-lt"/>
-                <a:ea typeface="+mn-ea"/>
-                <a:cs typeface="+mn-cs"/>
-              </a:defRPr>
-            </a:lvl8pPr>
-            <a:lvl9pPr marL="3657600" algn="l" defTabSz="914400" rtl="0" eaLnBrk="1" latinLnBrk="0" hangingPunct="1">
-              <a:defRPr sz="1800" kern="1200">
-                <a:solidFill>
-                  <a:schemeClr val="tx1"/>
-                </a:solidFill>
-                <a:latin typeface="+mn-lt"/>
-                <a:ea typeface="+mn-ea"/>
-                <a:cs typeface="+mn-cs"/>
-              </a:defRPr>
-            </a:lvl9pPr>
-          </a:lstStyle>
-          <a:p>
-            <a:pPr algn="dist"/>
-            <a:r>
-              <a:rPr lang="zh-CN" altLang="en-US" sz="2000" dirty="0">
-                <a:solidFill>
-                  <a:schemeClr val="tx1">
-                    <a:lumMod val="75000"/>
-                    <a:lumOff val="25000"/>
-                  </a:schemeClr>
-                </a:solidFill>
-                <a:cs typeface="+mn-ea"/>
-                <a:sym typeface="+mn-lt"/>
-              </a:rPr>
-              <a:t>算法设计</a:t>
-            </a:r>
-          </a:p>
-        </p:txBody>
-      </p:sp>
-      <p:sp>
-        <p:nvSpPr>
-          <p:cNvPr id="2" name="文本框 1">
-            <a:extLst>
-              <a:ext uri="{FF2B5EF4-FFF2-40B4-BE49-F238E27FC236}">
-                <a16:creationId xmlns:a16="http://schemas.microsoft.com/office/drawing/2014/main" id="{DA57F039-7E8C-47E7-B95E-FF1863D738F1}"/>
-              </a:ext>
-            </a:extLst>
-          </p:cNvPr>
-          <p:cNvSpPr txBox="1"/>
-          <p:nvPr/>
-        </p:nvSpPr>
-        <p:spPr>
-          <a:xfrm>
-            <a:off x="1270958" y="1184694"/>
-            <a:ext cx="2691442" cy="4247317"/>
-          </a:xfrm>
-          <a:prstGeom prst="rect">
-            <a:avLst/>
-          </a:prstGeom>
-          <a:noFill/>
-        </p:spPr>
-        <p:txBody>
-          <a:bodyPr wrap="square" rtlCol="0">
-            <a:spAutoFit/>
-          </a:bodyPr>
-          <a:lstStyle/>
-          <a:p>
-            <a:r>
-              <a:rPr lang="zh-CN" altLang="en-US" dirty="0"/>
-              <a:t>数据预处理：</a:t>
-            </a:r>
-            <a:endParaRPr lang="en-US" altLang="zh-CN" dirty="0"/>
-          </a:p>
-          <a:p>
-            <a:pPr marL="342900" indent="-342900">
-              <a:buFont typeface="+mj-lt"/>
-              <a:buAutoNum type="arabicPeriod"/>
-            </a:pPr>
-            <a:r>
-              <a:rPr lang="zh-CN" altLang="en-US" dirty="0"/>
-              <a:t>平滑处理</a:t>
-            </a:r>
-            <a:endParaRPr lang="en-US" altLang="zh-CN" dirty="0"/>
-          </a:p>
-          <a:p>
-            <a:pPr marL="342900" indent="-342900">
-              <a:buFont typeface="+mj-lt"/>
-              <a:buAutoNum type="arabicPeriod"/>
-            </a:pPr>
-            <a:endParaRPr lang="en-US" altLang="zh-CN" dirty="0"/>
-          </a:p>
-          <a:p>
-            <a:pPr marL="342900" indent="-342900">
-              <a:buFont typeface="+mj-lt"/>
-              <a:buAutoNum type="arabicPeriod"/>
-            </a:pPr>
-            <a:endParaRPr lang="en-US" altLang="zh-CN" dirty="0"/>
-          </a:p>
-          <a:p>
-            <a:pPr marL="342900" indent="-342900">
-              <a:buFont typeface="+mj-lt"/>
-              <a:buAutoNum type="arabicPeriod"/>
-            </a:pPr>
-            <a:endParaRPr lang="en-US" altLang="zh-CN" dirty="0"/>
-          </a:p>
-          <a:p>
-            <a:pPr marL="342900" indent="-342900">
-              <a:buFont typeface="+mj-lt"/>
-              <a:buAutoNum type="arabicPeriod"/>
-            </a:pPr>
-            <a:endParaRPr lang="en-US" altLang="zh-CN" dirty="0"/>
-          </a:p>
-          <a:p>
-            <a:pPr marL="342900" indent="-342900">
-              <a:buFont typeface="+mj-lt"/>
-              <a:buAutoNum type="arabicPeriod"/>
-            </a:pPr>
-            <a:endParaRPr lang="en-US" altLang="zh-CN" dirty="0"/>
-          </a:p>
-          <a:p>
-            <a:pPr marL="342900" indent="-342900">
-              <a:buFont typeface="+mj-lt"/>
-              <a:buAutoNum type="arabicPeriod"/>
-            </a:pPr>
-            <a:endParaRPr lang="en-US" altLang="zh-CN" dirty="0"/>
-          </a:p>
-          <a:p>
-            <a:pPr marL="342900" indent="-342900">
-              <a:buFont typeface="+mj-lt"/>
-              <a:buAutoNum type="arabicPeriod"/>
-            </a:pPr>
-            <a:r>
-              <a:rPr lang="zh-CN" altLang="en-US" dirty="0"/>
-              <a:t>计算时序特征</a:t>
-            </a:r>
-            <a:endParaRPr lang="en-US" altLang="zh-CN" dirty="0"/>
-          </a:p>
-          <a:p>
-            <a:pPr marL="342900" indent="-342900">
-              <a:buFont typeface="+mj-lt"/>
-              <a:buAutoNum type="arabicPeriod"/>
-            </a:pPr>
-            <a:endParaRPr lang="en-US" altLang="zh-CN" dirty="0"/>
-          </a:p>
-          <a:p>
-            <a:pPr marL="342900" indent="-342900">
-              <a:buFont typeface="+mj-lt"/>
-              <a:buAutoNum type="arabicPeriod"/>
-            </a:pPr>
-            <a:endParaRPr lang="en-US" altLang="zh-CN" dirty="0"/>
-          </a:p>
-          <a:p>
-            <a:pPr marL="342900" indent="-342900">
-              <a:buFont typeface="+mj-lt"/>
-              <a:buAutoNum type="arabicPeriod"/>
-            </a:pPr>
-            <a:endParaRPr lang="en-US" altLang="zh-CN" dirty="0"/>
-          </a:p>
-          <a:p>
-            <a:pPr marL="342900" indent="-342900">
-              <a:buFont typeface="+mj-lt"/>
-              <a:buAutoNum type="arabicPeriod"/>
-            </a:pPr>
-            <a:endParaRPr lang="en-US" altLang="zh-CN" dirty="0"/>
-          </a:p>
-          <a:p>
-            <a:pPr marL="342900" indent="-342900">
-              <a:buFont typeface="+mj-lt"/>
-              <a:buAutoNum type="arabicPeriod"/>
-            </a:pPr>
-            <a:endParaRPr lang="en-US" altLang="zh-CN" dirty="0"/>
-          </a:p>
-          <a:p>
-            <a:pPr marL="342900" indent="-342900">
-              <a:buFont typeface="+mj-lt"/>
-              <a:buAutoNum type="arabicPeriod"/>
-            </a:pPr>
-            <a:r>
-              <a:rPr lang="zh-CN" altLang="en-US" dirty="0"/>
-              <a:t>采样</a:t>
-            </a:r>
-          </a:p>
-        </p:txBody>
-      </p:sp>
-      <p:pic>
-        <p:nvPicPr>
-          <p:cNvPr id="7" name="图片 6">
-            <a:extLst>
-              <a:ext uri="{FF2B5EF4-FFF2-40B4-BE49-F238E27FC236}">
-                <a16:creationId xmlns:a16="http://schemas.microsoft.com/office/drawing/2014/main" id="{A0515228-BA58-45E8-B25E-119C706927A5}"/>
-              </a:ext>
-            </a:extLst>
-          </p:cNvPr>
-          <p:cNvPicPr>
-            <a:picLocks noChangeAspect="1"/>
-          </p:cNvPicPr>
-          <p:nvPr/>
-        </p:nvPicPr>
-        <p:blipFill>
-          <a:blip r:embed="rId2"/>
-          <a:stretch>
-            <a:fillRect/>
-          </a:stretch>
-        </p:blipFill>
-        <p:spPr>
-          <a:xfrm>
-            <a:off x="3303949" y="1819856"/>
-            <a:ext cx="3214711" cy="814393"/>
-          </a:xfrm>
-          <a:prstGeom prst="rect">
-            <a:avLst/>
-          </a:prstGeom>
-        </p:spPr>
-      </p:pic>
-      <p:sp>
-        <p:nvSpPr>
-          <p:cNvPr id="8" name="文本框 7">
-            <a:extLst>
-              <a:ext uri="{FF2B5EF4-FFF2-40B4-BE49-F238E27FC236}">
-                <a16:creationId xmlns:a16="http://schemas.microsoft.com/office/drawing/2014/main" id="{FD743AE1-B614-40C0-85E6-EE6DE7FFA655}"/>
-              </a:ext>
-            </a:extLst>
-          </p:cNvPr>
-          <p:cNvSpPr txBox="1"/>
-          <p:nvPr/>
-        </p:nvSpPr>
-        <p:spPr>
-          <a:xfrm>
-            <a:off x="1978325" y="2812211"/>
-            <a:ext cx="7832784" cy="369332"/>
-          </a:xfrm>
-          <a:prstGeom prst="rect">
-            <a:avLst/>
-          </a:prstGeom>
-          <a:noFill/>
-        </p:spPr>
-        <p:txBody>
-          <a:bodyPr wrap="square" rtlCol="0">
-            <a:spAutoFit/>
-          </a:bodyPr>
-          <a:lstStyle/>
-          <a:p>
-            <a:r>
-              <a:rPr lang="en-US" altLang="zh-CN" dirty="0"/>
-              <a:t>Rt</a:t>
-            </a:r>
-            <a:r>
-              <a:rPr lang="zh-CN" altLang="en-US" dirty="0"/>
-              <a:t>为原始</a:t>
-            </a:r>
-            <a:r>
-              <a:rPr lang="en-US" altLang="zh-CN" dirty="0"/>
-              <a:t>RTT</a:t>
-            </a:r>
-            <a:r>
-              <a:rPr lang="zh-CN" altLang="en-US" dirty="0"/>
-              <a:t>值，随时间变化，</a:t>
-            </a:r>
-            <a:r>
-              <a:rPr lang="en-US" altLang="zh-CN" dirty="0"/>
-              <a:t>St</a:t>
-            </a:r>
-            <a:r>
-              <a:rPr lang="zh-CN" altLang="en-US" dirty="0"/>
-              <a:t>为</a:t>
-            </a:r>
-            <a:r>
-              <a:rPr lang="en-US" altLang="zh-CN" dirty="0"/>
-              <a:t>RTT</a:t>
-            </a:r>
-            <a:r>
-              <a:rPr lang="zh-CN" altLang="en-US" dirty="0"/>
-              <a:t>平滑处理后的大小，</a:t>
-            </a:r>
-            <a:r>
-              <a:rPr lang="el-GR" altLang="zh-CN" dirty="0"/>
-              <a:t>σ</a:t>
-            </a:r>
-            <a:r>
-              <a:rPr lang="zh-CN" altLang="en-US" dirty="0"/>
-              <a:t>一般取</a:t>
-            </a:r>
-            <a:r>
-              <a:rPr lang="en-US" altLang="zh-CN" dirty="0"/>
-              <a:t>0.8</a:t>
-            </a:r>
-            <a:endParaRPr lang="zh-CN" altLang="en-US" dirty="0"/>
-          </a:p>
-        </p:txBody>
-      </p:sp>
-      <mc:AlternateContent xmlns:mc="http://schemas.openxmlformats.org/markup-compatibility/2006" xmlns:a14="http://schemas.microsoft.com/office/drawing/2010/main">
-        <mc:Choice Requires="a14">
-          <p:sp>
-            <p:nvSpPr>
-              <p:cNvPr id="9" name="文本框 8">
-                <a:extLst>
-                  <a:ext uri="{FF2B5EF4-FFF2-40B4-BE49-F238E27FC236}">
-                    <a16:creationId xmlns:a16="http://schemas.microsoft.com/office/drawing/2014/main" id="{84300223-F3B1-40F6-AE71-F9FE63B924C8}"/>
-                  </a:ext>
-                </a:extLst>
-              </p:cNvPr>
-              <p:cNvSpPr txBox="1"/>
-              <p:nvPr/>
-            </p:nvSpPr>
-            <p:spPr>
-              <a:xfrm>
-                <a:off x="2628181" y="4244513"/>
-                <a:ext cx="3467819" cy="369332"/>
-              </a:xfrm>
-              <a:prstGeom prst="rect">
-                <a:avLst/>
-              </a:prstGeom>
-              <a:noFill/>
-            </p:spPr>
-            <p:txBody>
-              <a:bodyPr wrap="square" rtlCol="0">
-                <a:spAutoFit/>
-              </a:bodyPr>
-              <a:lstStyle/>
-              <a:p>
-                <a:pPr/>
-                <a14:m>
-                  <m:oMathPara xmlns:m="http://schemas.openxmlformats.org/officeDocument/2006/math">
-                    <m:oMathParaPr>
-                      <m:jc m:val="centerGroup"/>
-                    </m:oMathParaPr>
-                    <m:oMath xmlns:m="http://schemas.openxmlformats.org/officeDocument/2006/math">
-                      <m:sSub>
-                        <m:sSubPr>
-                          <m:ctrlPr>
-                            <a:rPr lang="en-US" altLang="zh-CN" i="1" smtClean="0">
-                              <a:latin typeface="Cambria Math" panose="02040503050406030204" pitchFamily="18" charset="0"/>
-                            </a:rPr>
-                          </m:ctrlPr>
-                        </m:sSubPr>
-                        <m:e>
-                          <m:r>
-                            <a:rPr lang="en-US" altLang="zh-CN" b="0" i="1" smtClean="0">
-                              <a:latin typeface="Cambria Math" panose="02040503050406030204" pitchFamily="18" charset="0"/>
-                            </a:rPr>
-                            <m:t>𝑘</m:t>
-                          </m:r>
-                        </m:e>
-                        <m:sub>
-                          <m:r>
-                            <a:rPr lang="en-US" altLang="zh-CN" b="0" i="1" smtClean="0">
-                              <a:latin typeface="Cambria Math" panose="02040503050406030204" pitchFamily="18" charset="0"/>
-                            </a:rPr>
-                            <m:t>𝑡</m:t>
-                          </m:r>
-                        </m:sub>
-                      </m:sSub>
-                      <m:r>
-                        <a:rPr lang="en-US" altLang="zh-CN" b="0" i="1" smtClean="0">
-                          <a:latin typeface="Cambria Math" panose="02040503050406030204" pitchFamily="18" charset="0"/>
-                        </a:rPr>
-                        <m:t>= </m:t>
-                      </m:r>
-                      <m:sSub>
-                        <m:sSubPr>
-                          <m:ctrlPr>
-                            <a:rPr lang="en-US" altLang="zh-CN" b="0" i="1" smtClean="0">
-                              <a:latin typeface="Cambria Math" panose="02040503050406030204" pitchFamily="18" charset="0"/>
-                            </a:rPr>
-                          </m:ctrlPr>
-                        </m:sSubPr>
-                        <m:e>
-                          <m:r>
-                            <a:rPr lang="en-US" altLang="zh-CN" b="0" i="1" smtClean="0">
-                              <a:latin typeface="Cambria Math" panose="02040503050406030204" pitchFamily="18" charset="0"/>
-                            </a:rPr>
-                            <m:t>(</m:t>
-                          </m:r>
-                          <m:r>
-                            <a:rPr lang="en-US" altLang="zh-CN" b="0" i="1" smtClean="0">
-                              <a:latin typeface="Cambria Math" panose="02040503050406030204" pitchFamily="18" charset="0"/>
-                            </a:rPr>
-                            <m:t>𝑅</m:t>
-                          </m:r>
-                        </m:e>
-                        <m:sub>
-                          <m:r>
-                            <a:rPr lang="en-US" altLang="zh-CN" b="0" i="1" smtClean="0">
-                              <a:latin typeface="Cambria Math" panose="02040503050406030204" pitchFamily="18" charset="0"/>
-                            </a:rPr>
-                            <m:t>𝑡</m:t>
-                          </m:r>
-                        </m:sub>
-                      </m:sSub>
-                      <m:r>
-                        <a:rPr lang="en-US" altLang="zh-CN" b="0" i="1" smtClean="0">
-                          <a:latin typeface="Cambria Math" panose="02040503050406030204" pitchFamily="18" charset="0"/>
-                        </a:rPr>
-                        <m:t>−</m:t>
-                      </m:r>
-                      <m:sSub>
-                        <m:sSubPr>
-                          <m:ctrlPr>
-                            <a:rPr lang="en-US" altLang="zh-CN" b="0" i="1" smtClean="0">
-                              <a:latin typeface="Cambria Math" panose="02040503050406030204" pitchFamily="18" charset="0"/>
-                            </a:rPr>
-                          </m:ctrlPr>
-                        </m:sSubPr>
-                        <m:e>
-                          <m:r>
-                            <a:rPr lang="en-US" altLang="zh-CN" b="0" i="1" smtClean="0">
-                              <a:latin typeface="Cambria Math" panose="02040503050406030204" pitchFamily="18" charset="0"/>
-                            </a:rPr>
-                            <m:t>𝑆</m:t>
-                          </m:r>
-                        </m:e>
-                        <m:sub>
-                          <m:r>
-                            <a:rPr lang="en-US" altLang="zh-CN" b="0" i="1" smtClean="0">
-                              <a:latin typeface="Cambria Math" panose="02040503050406030204" pitchFamily="18" charset="0"/>
-                            </a:rPr>
-                            <m:t>𝑡</m:t>
-                          </m:r>
-                        </m:sub>
-                      </m:sSub>
-                      <m:r>
-                        <a:rPr lang="en-US" altLang="zh-CN" b="0" i="1" smtClean="0">
-                          <a:latin typeface="Cambria Math" panose="02040503050406030204" pitchFamily="18" charset="0"/>
-                        </a:rPr>
-                        <m:t>)/</m:t>
-                      </m:r>
-                      <m:sSub>
-                        <m:sSubPr>
-                          <m:ctrlPr>
-                            <a:rPr lang="en-US" altLang="zh-CN" b="0" i="1" smtClean="0">
-                              <a:latin typeface="Cambria Math" panose="02040503050406030204" pitchFamily="18" charset="0"/>
-                            </a:rPr>
-                          </m:ctrlPr>
-                        </m:sSubPr>
-                        <m:e>
-                          <m:r>
-                            <a:rPr lang="en-US" altLang="zh-CN" b="0" i="1" smtClean="0">
-                              <a:latin typeface="Cambria Math" panose="02040503050406030204" pitchFamily="18" charset="0"/>
-                            </a:rPr>
-                            <m:t>𝑆</m:t>
-                          </m:r>
-                        </m:e>
-                        <m:sub>
-                          <m:r>
-                            <a:rPr lang="en-US" altLang="zh-CN" b="0" i="1" smtClean="0">
-                              <a:latin typeface="Cambria Math" panose="02040503050406030204" pitchFamily="18" charset="0"/>
-                            </a:rPr>
-                            <m:t>𝑡</m:t>
-                          </m:r>
-                        </m:sub>
-                      </m:sSub>
-                    </m:oMath>
-                  </m:oMathPara>
-                </a14:m>
-                <a:endParaRPr lang="zh-CN" altLang="en-US" dirty="0"/>
-              </a:p>
-            </p:txBody>
-          </p:sp>
-        </mc:Choice>
-        <mc:Fallback xmlns="">
-          <p:sp>
-            <p:nvSpPr>
-              <p:cNvPr id="9" name="文本框 8">
-                <a:extLst>
-                  <a:ext uri="{FF2B5EF4-FFF2-40B4-BE49-F238E27FC236}">
-                    <a16:creationId xmlns:a16="http://schemas.microsoft.com/office/drawing/2014/main" id="{84300223-F3B1-40F6-AE71-F9FE63B924C8}"/>
-                  </a:ext>
-                </a:extLst>
-              </p:cNvPr>
-              <p:cNvSpPr txBox="1">
-                <a:spLocks noRot="1" noChangeAspect="1" noMove="1" noResize="1" noEditPoints="1" noAdjustHandles="1" noChangeArrowheads="1" noChangeShapeType="1" noTextEdit="1"/>
-              </p:cNvSpPr>
-              <p:nvPr/>
-            </p:nvSpPr>
-            <p:spPr>
-              <a:xfrm>
-                <a:off x="2628181" y="4244513"/>
-                <a:ext cx="3467819" cy="369332"/>
-              </a:xfrm>
-              <a:prstGeom prst="rect">
-                <a:avLst/>
-              </a:prstGeom>
-              <a:blipFill>
-                <a:blip r:embed="rId3"/>
-                <a:stretch>
-                  <a:fillRect b="-14754"/>
-                </a:stretch>
-              </a:blipFill>
-            </p:spPr>
-            <p:txBody>
-              <a:bodyPr/>
-              <a:lstStyle/>
-              <a:p>
-                <a:r>
-                  <a:rPr lang="zh-CN" altLang="en-US">
-                    <a:noFill/>
-                  </a:rPr>
-                  <a:t> </a:t>
-                </a:r>
-              </a:p>
-            </p:txBody>
-          </p:sp>
-        </mc:Fallback>
-      </mc:AlternateContent>
-      <p:sp>
-        <p:nvSpPr>
-          <p:cNvPr id="10" name="文本框 9">
-            <a:extLst>
-              <a:ext uri="{FF2B5EF4-FFF2-40B4-BE49-F238E27FC236}">
-                <a16:creationId xmlns:a16="http://schemas.microsoft.com/office/drawing/2014/main" id="{8408FB42-C91A-4BAD-98D4-D7286E57B1EB}"/>
-              </a:ext>
-            </a:extLst>
-          </p:cNvPr>
-          <p:cNvSpPr txBox="1"/>
-          <p:nvPr/>
-        </p:nvSpPr>
-        <p:spPr>
-          <a:xfrm>
-            <a:off x="2035834" y="5432011"/>
-            <a:ext cx="7970808" cy="1200329"/>
-          </a:xfrm>
-          <a:prstGeom prst="rect">
-            <a:avLst/>
-          </a:prstGeom>
-          <a:noFill/>
-        </p:spPr>
-        <p:txBody>
-          <a:bodyPr wrap="square" rtlCol="0">
-            <a:spAutoFit/>
-          </a:bodyPr>
-          <a:lstStyle/>
-          <a:p>
-            <a:r>
-              <a:rPr lang="zh-CN" altLang="en-US" dirty="0"/>
-              <a:t>由于数据中心网络</a:t>
-            </a:r>
-            <a:r>
-              <a:rPr lang="en-US" altLang="zh-CN" dirty="0"/>
-              <a:t>DCN</a:t>
-            </a:r>
-            <a:r>
-              <a:rPr lang="zh-CN" altLang="en-US" dirty="0"/>
-              <a:t>中</a:t>
-            </a:r>
-            <a:r>
-              <a:rPr lang="en-US" altLang="zh-CN" dirty="0"/>
-              <a:t>RTT</a:t>
-            </a:r>
-            <a:r>
-              <a:rPr lang="zh-CN" altLang="en-US" dirty="0"/>
-              <a:t>大部分时间处于一个稳定状态，经过平滑处理后，</a:t>
-            </a:r>
-            <a:r>
-              <a:rPr lang="en-US" altLang="zh-CN" dirty="0"/>
-              <a:t>90%</a:t>
-            </a:r>
-            <a:r>
-              <a:rPr lang="zh-CN" altLang="en-US" dirty="0"/>
-              <a:t>时序特征值非常小，其绝对值处于</a:t>
-            </a:r>
-            <a:r>
-              <a:rPr lang="en-US" altLang="zh-CN" dirty="0"/>
-              <a:t>[0</a:t>
-            </a:r>
-            <a:r>
-              <a:rPr lang="zh-CN" altLang="en-US" dirty="0"/>
-              <a:t>，</a:t>
-            </a:r>
-            <a:r>
-              <a:rPr lang="en-US" altLang="zh-CN" dirty="0"/>
-              <a:t>0.02</a:t>
-            </a:r>
-            <a:r>
-              <a:rPr lang="zh-CN" altLang="en-US" dirty="0"/>
-              <a:t>）之间，为防止后续数据集训练后，神经网络预测出现过拟合的情况，对特征值进行分段采样，划分为</a:t>
-            </a:r>
-            <a:r>
-              <a:rPr lang="en-US" altLang="zh-CN" dirty="0"/>
-              <a:t>[0,0.02);[0.02,0.08);[0.08,0.15);[0.15,inf)</a:t>
-            </a:r>
-            <a:r>
-              <a:rPr lang="zh-CN" altLang="en-US" dirty="0"/>
-              <a:t>四段。</a:t>
-            </a:r>
-          </a:p>
-        </p:txBody>
-      </p:sp>
-    </p:spTree>
-    <p:extLst>
-      <p:ext uri="{BB962C8B-B14F-4D97-AF65-F5344CB8AC3E}">
-        <p14:creationId xmlns:p14="http://schemas.microsoft.com/office/powerpoint/2010/main" val="4004167502"/>
       </p:ext>
     </p:extLst>
   </p:cSld>

--- a/paper/中期答辩.pptx
+++ b/paper/中期答辩.pptx
@@ -232,7 +232,7 @@
           <a:p>
             <a:fld id="{98B0435F-E558-4051-86BC-60A3F5754544}" type="datetimeFigureOut">
               <a:rPr lang="zh-CN" altLang="en-US" smtClean="0"/>
-              <a:t>2023/4/14</a:t>
+              <a:t>2023/4/19</a:t>
             </a:fld>
             <a:endParaRPr lang="zh-CN" altLang="en-US"/>
           </a:p>
@@ -628,7 +628,7 @@
           <a:p>
             <a:fld id="{C432D5D4-DD55-4DBC-81D4-13ECF5893FB4}" type="datetimeFigureOut">
               <a:rPr lang="zh-CN" altLang="en-US" smtClean="0"/>
-              <a:t>2023/4/14</a:t>
+              <a:t>2023/4/19</a:t>
             </a:fld>
             <a:endParaRPr lang="zh-CN" altLang="en-US"/>
           </a:p>
@@ -745,7 +745,7 @@
           <a:p>
             <a:fld id="{C432D5D4-DD55-4DBC-81D4-13ECF5893FB4}" type="datetimeFigureOut">
               <a:rPr lang="zh-CN" altLang="en-US" smtClean="0"/>
-              <a:t>2023/4/14</a:t>
+              <a:t>2023/4/19</a:t>
             </a:fld>
             <a:endParaRPr lang="zh-CN" altLang="en-US"/>
           </a:p>
@@ -862,7 +862,7 @@
           <a:p>
             <a:fld id="{C432D5D4-DD55-4DBC-81D4-13ECF5893FB4}" type="datetimeFigureOut">
               <a:rPr lang="zh-CN" altLang="en-US" smtClean="0"/>
-              <a:t>2023/4/14</a:t>
+              <a:t>2023/4/19</a:t>
             </a:fld>
             <a:endParaRPr lang="zh-CN" altLang="en-US"/>
           </a:p>
@@ -979,7 +979,7 @@
           <a:p>
             <a:fld id="{C432D5D4-DD55-4DBC-81D4-13ECF5893FB4}" type="datetimeFigureOut">
               <a:rPr lang="zh-CN" altLang="en-US" smtClean="0"/>
-              <a:t>2023/4/14</a:t>
+              <a:t>2023/4/19</a:t>
             </a:fld>
             <a:endParaRPr lang="zh-CN" altLang="en-US"/>
           </a:p>
@@ -1096,7 +1096,7 @@
           <a:p>
             <a:fld id="{C432D5D4-DD55-4DBC-81D4-13ECF5893FB4}" type="datetimeFigureOut">
               <a:rPr lang="zh-CN" altLang="en-US" smtClean="0"/>
-              <a:t>2023/4/14</a:t>
+              <a:t>2023/4/19</a:t>
             </a:fld>
             <a:endParaRPr lang="zh-CN" altLang="en-US"/>
           </a:p>
@@ -1213,7 +1213,7 @@
           <a:p>
             <a:fld id="{C432D5D4-DD55-4DBC-81D4-13ECF5893FB4}" type="datetimeFigureOut">
               <a:rPr lang="zh-CN" altLang="en-US" smtClean="0"/>
-              <a:t>2023/4/14</a:t>
+              <a:t>2023/4/19</a:t>
             </a:fld>
             <a:endParaRPr lang="zh-CN" altLang="en-US"/>
           </a:p>
@@ -1410,7 +1410,7 @@
                 </a:solidFill>
               </a:rPr>
               <a:pPr/>
-              <a:t>2023/4/14</a:t>
+              <a:t>2023/4/19</a:t>
             </a:fld>
             <a:endParaRPr lang="zh-CN" altLang="en-US">
               <a:solidFill>
@@ -1640,7 +1640,7 @@
                 </a:solidFill>
               </a:rPr>
               <a:pPr/>
-              <a:t>2023/4/14</a:t>
+              <a:t>2023/4/19</a:t>
             </a:fld>
             <a:endParaRPr lang="zh-CN" altLang="en-US">
               <a:solidFill>
@@ -1871,7 +1871,7 @@
           <a:p>
             <a:fld id="{C432D5D4-DD55-4DBC-81D4-13ECF5893FB4}" type="datetimeFigureOut">
               <a:rPr lang="zh-CN" altLang="en-US" smtClean="0"/>
-              <a:t>2023/4/14</a:t>
+              <a:t>2023/4/19</a:t>
             </a:fld>
             <a:endParaRPr lang="zh-CN" altLang="en-US"/>
           </a:p>
@@ -2039,7 +2039,7 @@
           <a:p>
             <a:fld id="{C432D5D4-DD55-4DBC-81D4-13ECF5893FB4}" type="datetimeFigureOut">
               <a:rPr lang="zh-CN" altLang="en-US" smtClean="0"/>
-              <a:t>2023/4/14</a:t>
+              <a:t>2023/4/19</a:t>
             </a:fld>
             <a:endParaRPr lang="zh-CN" altLang="en-US"/>
           </a:p>
@@ -2256,7 +2256,7 @@
           <a:p>
             <a:fld id="{C432D5D4-DD55-4DBC-81D4-13ECF5893FB4}" type="datetimeFigureOut">
               <a:rPr lang="zh-CN" altLang="en-US" smtClean="0"/>
-              <a:t>2023/4/14</a:t>
+              <a:t>2023/4/19</a:t>
             </a:fld>
             <a:endParaRPr lang="zh-CN" altLang="en-US"/>
           </a:p>
@@ -2373,7 +2373,7 @@
           <a:p>
             <a:fld id="{C432D5D4-DD55-4DBC-81D4-13ECF5893FB4}" type="datetimeFigureOut">
               <a:rPr lang="zh-CN" altLang="en-US" smtClean="0"/>
-              <a:t>2023/4/14</a:t>
+              <a:t>2023/4/19</a:t>
             </a:fld>
             <a:endParaRPr lang="zh-CN" altLang="en-US"/>
           </a:p>
@@ -2490,7 +2490,7 @@
           <a:p>
             <a:fld id="{C432D5D4-DD55-4DBC-81D4-13ECF5893FB4}" type="datetimeFigureOut">
               <a:rPr lang="zh-CN" altLang="en-US" smtClean="0"/>
-              <a:t>2023/4/14</a:t>
+              <a:t>2023/4/19</a:t>
             </a:fld>
             <a:endParaRPr lang="zh-CN" altLang="en-US"/>
           </a:p>
@@ -2607,7 +2607,7 @@
           <a:p>
             <a:fld id="{C432D5D4-DD55-4DBC-81D4-13ECF5893FB4}" type="datetimeFigureOut">
               <a:rPr lang="zh-CN" altLang="en-US" smtClean="0"/>
-              <a:t>2023/4/14</a:t>
+              <a:t>2023/4/19</a:t>
             </a:fld>
             <a:endParaRPr lang="zh-CN" altLang="en-US"/>
           </a:p>
@@ -2724,7 +2724,7 @@
           <a:p>
             <a:fld id="{C432D5D4-DD55-4DBC-81D4-13ECF5893FB4}" type="datetimeFigureOut">
               <a:rPr lang="zh-CN" altLang="en-US" smtClean="0"/>
-              <a:t>2023/4/14</a:t>
+              <a:t>2023/4/19</a:t>
             </a:fld>
             <a:endParaRPr lang="zh-CN" altLang="en-US"/>
           </a:p>
@@ -2841,7 +2841,7 @@
           <a:p>
             <a:fld id="{C432D5D4-DD55-4DBC-81D4-13ECF5893FB4}" type="datetimeFigureOut">
               <a:rPr lang="zh-CN" altLang="en-US" smtClean="0"/>
-              <a:t>2023/4/14</a:t>
+              <a:t>2023/4/19</a:t>
             </a:fld>
             <a:endParaRPr lang="zh-CN" altLang="en-US"/>
           </a:p>
@@ -3055,7 +3055,7 @@
           <a:p>
             <a:fld id="{C432D5D4-DD55-4DBC-81D4-13ECF5893FB4}" type="datetimeFigureOut">
               <a:rPr lang="zh-CN" altLang="en-US" smtClean="0"/>
-              <a:t>2023/4/14</a:t>
+              <a:t>2023/4/19</a:t>
             </a:fld>
             <a:endParaRPr lang="zh-CN" altLang="en-US"/>
           </a:p>
@@ -9293,7 +9293,7 @@
             <a:pPr algn="ctr"/>
             <a:r>
               <a:rPr lang="en-US" altLang="zh-CN" dirty="0"/>
-              <a:t>node:1,send:25GB</a:t>
+              <a:t>Node:1,send:200MB</a:t>
             </a:r>
             <a:endParaRPr lang="zh-CN" altLang="en-US" dirty="0"/>
           </a:p>
@@ -9341,7 +9341,7 @@
             <a:pPr algn="ctr"/>
             <a:r>
               <a:rPr lang="en-US" altLang="zh-CN" dirty="0"/>
-              <a:t>node:2,send:25GB</a:t>
+              <a:t>Node:2,send:200MB</a:t>
             </a:r>
             <a:endParaRPr lang="zh-CN" altLang="en-US" dirty="0"/>
           </a:p>
@@ -9389,7 +9389,7 @@
             <a:pPr algn="ctr"/>
             <a:r>
               <a:rPr lang="en-US" altLang="zh-CN" dirty="0"/>
-              <a:t>Node:3,send:18.75GB</a:t>
+              <a:t>Node:3,send:150MB</a:t>
             </a:r>
             <a:endParaRPr lang="zh-CN" altLang="en-US" dirty="0"/>
           </a:p>
@@ -9437,7 +9437,7 @@
             <a:pPr algn="ctr"/>
             <a:r>
               <a:rPr lang="en-US" altLang="zh-CN" dirty="0"/>
-              <a:t>Node:20,send:6.25GB</a:t>
+              <a:t>Node:20,send:5MB</a:t>
             </a:r>
             <a:endParaRPr lang="zh-CN" altLang="en-US" dirty="0"/>
           </a:p>
@@ -10742,8 +10742,8 @@
           </p:sp>
         </mc:Fallback>
       </mc:AlternateContent>
-      <mc:AlternateContent xmlns:mc="http://schemas.openxmlformats.org/markup-compatibility/2006">
-        <mc:Choice xmlns:a14="http://schemas.microsoft.com/office/drawing/2010/main" Requires="a14">
+      <mc:AlternateContent xmlns:mc="http://schemas.openxmlformats.org/markup-compatibility/2006" xmlns:a14="http://schemas.microsoft.com/office/drawing/2010/main">
+        <mc:Choice Requires="a14">
           <p:sp>
             <p:nvSpPr>
               <p:cNvPr id="13" name="文本框 12">
@@ -10814,7 +10814,7 @@
             </p:txBody>
           </p:sp>
         </mc:Choice>
-        <mc:Fallback>
+        <mc:Fallback xmlns="">
           <p:sp>
             <p:nvSpPr>
               <p:cNvPr id="13" name="文本框 12">
@@ -10859,8 +10859,8 @@
           </p:sp>
         </mc:Fallback>
       </mc:AlternateContent>
-      <mc:AlternateContent xmlns:mc="http://schemas.openxmlformats.org/markup-compatibility/2006">
-        <mc:Choice xmlns:a14="http://schemas.microsoft.com/office/drawing/2010/main" Requires="a14">
+      <mc:AlternateContent xmlns:mc="http://schemas.openxmlformats.org/markup-compatibility/2006" xmlns:a14="http://schemas.microsoft.com/office/drawing/2010/main">
+        <mc:Choice Requires="a14">
           <p:sp>
             <p:nvSpPr>
               <p:cNvPr id="14" name="文本框 13">
@@ -10926,7 +10926,7 @@
             </p:txBody>
           </p:sp>
         </mc:Choice>
-        <mc:Fallback>
+        <mc:Fallback xmlns="">
           <p:sp>
             <p:nvSpPr>
               <p:cNvPr id="14" name="文本框 13">
